--- a/CS410_Fall2020_CourseProject_Tutorial.pptx
+++ b/CS410_Fall2020_CourseProject_Tutorial.pptx
@@ -16,6 +16,7 @@
     <p:sldId id="263" r:id="rId10"/>
     <p:sldId id="265" r:id="rId11"/>
     <p:sldId id="266" r:id="rId12"/>
+    <p:sldId id="267" r:id="rId13"/>
   </p:sldIdLst>
   <p:sldSz cx="12192000" cy="6858000"/>
   <p:notesSz cx="6858000" cy="9144000"/>
@@ -118,6 +119,753 @@
 </file>
 
 <file path=ppt/diagrams/colors1.xml><?xml version="1.0" encoding="utf-8"?>
+<dgm:colorsDef xmlns:dgm="http://schemas.openxmlformats.org/drawingml/2006/diagram" xmlns:a="http://schemas.openxmlformats.org/drawingml/2006/main" uniqueId="urn:microsoft.com/office/officeart/2005/8/colors/accent1_2">
+  <dgm:title val=""/>
+  <dgm:desc val=""/>
+  <dgm:catLst>
+    <dgm:cat type="accent1" pri="11200"/>
+  </dgm:catLst>
+  <dgm:styleLbl name="node0">
+    <dgm:fillClrLst meth="repeat">
+      <a:schemeClr val="accent1"/>
+    </dgm:fillClrLst>
+    <dgm:linClrLst meth="repeat">
+      <a:schemeClr val="lt1"/>
+    </dgm:linClrLst>
+    <dgm:effectClrLst/>
+    <dgm:txLinClrLst/>
+    <dgm:txFillClrLst/>
+    <dgm:txEffectClrLst/>
+  </dgm:styleLbl>
+  <dgm:styleLbl name="alignNode1">
+    <dgm:fillClrLst meth="repeat">
+      <a:schemeClr val="accent1"/>
+    </dgm:fillClrLst>
+    <dgm:linClrLst meth="repeat">
+      <a:schemeClr val="accent1"/>
+    </dgm:linClrLst>
+    <dgm:effectClrLst/>
+    <dgm:txLinClrLst/>
+    <dgm:txFillClrLst/>
+    <dgm:txEffectClrLst/>
+  </dgm:styleLbl>
+  <dgm:styleLbl name="node1">
+    <dgm:fillClrLst meth="repeat">
+      <a:schemeClr val="accent1"/>
+    </dgm:fillClrLst>
+    <dgm:linClrLst meth="repeat">
+      <a:schemeClr val="lt1"/>
+    </dgm:linClrLst>
+    <dgm:effectClrLst/>
+    <dgm:txLinClrLst/>
+    <dgm:txFillClrLst/>
+    <dgm:txEffectClrLst/>
+  </dgm:styleLbl>
+  <dgm:styleLbl name="lnNode1">
+    <dgm:fillClrLst meth="repeat">
+      <a:schemeClr val="accent1"/>
+    </dgm:fillClrLst>
+    <dgm:linClrLst meth="repeat">
+      <a:schemeClr val="lt1"/>
+    </dgm:linClrLst>
+    <dgm:effectClrLst/>
+    <dgm:txLinClrLst/>
+    <dgm:txFillClrLst/>
+    <dgm:txEffectClrLst/>
+  </dgm:styleLbl>
+  <dgm:styleLbl name="vennNode1">
+    <dgm:fillClrLst meth="repeat">
+      <a:schemeClr val="accent1">
+        <a:alpha val="50000"/>
+      </a:schemeClr>
+    </dgm:fillClrLst>
+    <dgm:linClrLst meth="repeat">
+      <a:schemeClr val="lt1"/>
+    </dgm:linClrLst>
+    <dgm:effectClrLst/>
+    <dgm:txLinClrLst/>
+    <dgm:txFillClrLst/>
+    <dgm:txEffectClrLst/>
+  </dgm:styleLbl>
+  <dgm:styleLbl name="node2">
+    <dgm:fillClrLst meth="repeat">
+      <a:schemeClr val="accent1"/>
+    </dgm:fillClrLst>
+    <dgm:linClrLst meth="repeat">
+      <a:schemeClr val="lt1"/>
+    </dgm:linClrLst>
+    <dgm:effectClrLst/>
+    <dgm:txLinClrLst/>
+    <dgm:txFillClrLst/>
+    <dgm:txEffectClrLst/>
+  </dgm:styleLbl>
+  <dgm:styleLbl name="node3">
+    <dgm:fillClrLst meth="repeat">
+      <a:schemeClr val="accent1"/>
+    </dgm:fillClrLst>
+    <dgm:linClrLst meth="repeat">
+      <a:schemeClr val="lt1"/>
+    </dgm:linClrLst>
+    <dgm:effectClrLst/>
+    <dgm:txLinClrLst/>
+    <dgm:txFillClrLst/>
+    <dgm:txEffectClrLst/>
+  </dgm:styleLbl>
+  <dgm:styleLbl name="node4">
+    <dgm:fillClrLst meth="repeat">
+      <a:schemeClr val="accent1"/>
+    </dgm:fillClrLst>
+    <dgm:linClrLst meth="repeat">
+      <a:schemeClr val="lt1"/>
+    </dgm:linClrLst>
+    <dgm:effectClrLst/>
+    <dgm:txLinClrLst/>
+    <dgm:txFillClrLst/>
+    <dgm:txEffectClrLst/>
+  </dgm:styleLbl>
+  <dgm:styleLbl name="fgImgPlace1">
+    <dgm:fillClrLst meth="repeat">
+      <a:schemeClr val="accent1">
+        <a:tint val="50000"/>
+      </a:schemeClr>
+    </dgm:fillClrLst>
+    <dgm:linClrLst meth="repeat">
+      <a:schemeClr val="lt1"/>
+    </dgm:linClrLst>
+    <dgm:effectClrLst/>
+    <dgm:txLinClrLst/>
+    <dgm:txFillClrLst meth="repeat">
+      <a:schemeClr val="lt1"/>
+    </dgm:txFillClrLst>
+    <dgm:txEffectClrLst/>
+  </dgm:styleLbl>
+  <dgm:styleLbl name="alignImgPlace1">
+    <dgm:fillClrLst meth="repeat">
+      <a:schemeClr val="accent1">
+        <a:tint val="50000"/>
+      </a:schemeClr>
+    </dgm:fillClrLst>
+    <dgm:linClrLst meth="repeat">
+      <a:schemeClr val="lt1"/>
+    </dgm:linClrLst>
+    <dgm:effectClrLst/>
+    <dgm:txLinClrLst/>
+    <dgm:txFillClrLst meth="repeat">
+      <a:schemeClr val="lt1"/>
+    </dgm:txFillClrLst>
+    <dgm:txEffectClrLst/>
+  </dgm:styleLbl>
+  <dgm:styleLbl name="bgImgPlace1">
+    <dgm:fillClrLst meth="repeat">
+      <a:schemeClr val="accent1">
+        <a:tint val="50000"/>
+      </a:schemeClr>
+    </dgm:fillClrLst>
+    <dgm:linClrLst meth="repeat">
+      <a:schemeClr val="lt1"/>
+    </dgm:linClrLst>
+    <dgm:effectClrLst/>
+    <dgm:txLinClrLst/>
+    <dgm:txFillClrLst meth="repeat">
+      <a:schemeClr val="lt1"/>
+    </dgm:txFillClrLst>
+    <dgm:txEffectClrLst/>
+  </dgm:styleLbl>
+  <dgm:styleLbl name="sibTrans2D1">
+    <dgm:fillClrLst meth="repeat">
+      <a:schemeClr val="accent1">
+        <a:tint val="60000"/>
+      </a:schemeClr>
+    </dgm:fillClrLst>
+    <dgm:linClrLst meth="repeat">
+      <a:schemeClr val="accent1">
+        <a:tint val="60000"/>
+      </a:schemeClr>
+    </dgm:linClrLst>
+    <dgm:effectClrLst/>
+    <dgm:txLinClrLst/>
+    <dgm:txFillClrLst/>
+    <dgm:txEffectClrLst/>
+  </dgm:styleLbl>
+  <dgm:styleLbl name="fgSibTrans2D1">
+    <dgm:fillClrLst meth="repeat">
+      <a:schemeClr val="accent1">
+        <a:tint val="60000"/>
+      </a:schemeClr>
+    </dgm:fillClrLst>
+    <dgm:linClrLst meth="repeat">
+      <a:schemeClr val="accent1">
+        <a:tint val="60000"/>
+      </a:schemeClr>
+    </dgm:linClrLst>
+    <dgm:effectClrLst/>
+    <dgm:txLinClrLst/>
+    <dgm:txFillClrLst/>
+    <dgm:txEffectClrLst/>
+  </dgm:styleLbl>
+  <dgm:styleLbl name="bgSibTrans2D1">
+    <dgm:fillClrLst meth="repeat">
+      <a:schemeClr val="accent1">
+        <a:tint val="60000"/>
+      </a:schemeClr>
+    </dgm:fillClrLst>
+    <dgm:linClrLst meth="repeat">
+      <a:schemeClr val="accent1">
+        <a:tint val="60000"/>
+      </a:schemeClr>
+    </dgm:linClrLst>
+    <dgm:effectClrLst/>
+    <dgm:txLinClrLst/>
+    <dgm:txFillClrLst/>
+    <dgm:txEffectClrLst/>
+  </dgm:styleLbl>
+  <dgm:styleLbl name="sibTrans1D1">
+    <dgm:fillClrLst meth="repeat">
+      <a:schemeClr val="accent1"/>
+    </dgm:fillClrLst>
+    <dgm:linClrLst meth="repeat">
+      <a:schemeClr val="accent1"/>
+    </dgm:linClrLst>
+    <dgm:effectClrLst/>
+    <dgm:txLinClrLst/>
+    <dgm:txFillClrLst meth="repeat">
+      <a:schemeClr val="tx1"/>
+    </dgm:txFillClrLst>
+    <dgm:txEffectClrLst/>
+  </dgm:styleLbl>
+  <dgm:styleLbl name="callout">
+    <dgm:fillClrLst meth="repeat">
+      <a:schemeClr val="accent1"/>
+    </dgm:fillClrLst>
+    <dgm:linClrLst meth="repeat">
+      <a:schemeClr val="accent1">
+        <a:tint val="50000"/>
+      </a:schemeClr>
+    </dgm:linClrLst>
+    <dgm:effectClrLst/>
+    <dgm:txLinClrLst/>
+    <dgm:txFillClrLst meth="repeat">
+      <a:schemeClr val="tx1"/>
+    </dgm:txFillClrLst>
+    <dgm:txEffectClrLst/>
+  </dgm:styleLbl>
+  <dgm:styleLbl name="asst0">
+    <dgm:fillClrLst meth="repeat">
+      <a:schemeClr val="accent1"/>
+    </dgm:fillClrLst>
+    <dgm:linClrLst meth="repeat">
+      <a:schemeClr val="lt1"/>
+    </dgm:linClrLst>
+    <dgm:effectClrLst/>
+    <dgm:txLinClrLst/>
+    <dgm:txFillClrLst/>
+    <dgm:txEffectClrLst/>
+  </dgm:styleLbl>
+  <dgm:styleLbl name="asst1">
+    <dgm:fillClrLst meth="repeat">
+      <a:schemeClr val="accent1"/>
+    </dgm:fillClrLst>
+    <dgm:linClrLst meth="repeat">
+      <a:schemeClr val="lt1"/>
+    </dgm:linClrLst>
+    <dgm:effectClrLst/>
+    <dgm:txLinClrLst/>
+    <dgm:txFillClrLst/>
+    <dgm:txEffectClrLst/>
+  </dgm:styleLbl>
+  <dgm:styleLbl name="asst2">
+    <dgm:fillClrLst meth="repeat">
+      <a:schemeClr val="accent1"/>
+    </dgm:fillClrLst>
+    <dgm:linClrLst meth="repeat">
+      <a:schemeClr val="lt1"/>
+    </dgm:linClrLst>
+    <dgm:effectClrLst/>
+    <dgm:txLinClrLst/>
+    <dgm:txFillClrLst/>
+    <dgm:txEffectClrLst/>
+  </dgm:styleLbl>
+  <dgm:styleLbl name="asst3">
+    <dgm:fillClrLst meth="repeat">
+      <a:schemeClr val="accent1"/>
+    </dgm:fillClrLst>
+    <dgm:linClrLst meth="repeat">
+      <a:schemeClr val="lt1"/>
+    </dgm:linClrLst>
+    <dgm:effectClrLst/>
+    <dgm:txLinClrLst/>
+    <dgm:txFillClrLst/>
+    <dgm:txEffectClrLst/>
+  </dgm:styleLbl>
+  <dgm:styleLbl name="asst4">
+    <dgm:fillClrLst meth="repeat">
+      <a:schemeClr val="accent1"/>
+    </dgm:fillClrLst>
+    <dgm:linClrLst meth="repeat">
+      <a:schemeClr val="lt1"/>
+    </dgm:linClrLst>
+    <dgm:effectClrLst/>
+    <dgm:txLinClrLst/>
+    <dgm:txFillClrLst/>
+    <dgm:txEffectClrLst/>
+  </dgm:styleLbl>
+  <dgm:styleLbl name="parChTrans2D1">
+    <dgm:fillClrLst meth="repeat">
+      <a:schemeClr val="accent1">
+        <a:tint val="60000"/>
+      </a:schemeClr>
+    </dgm:fillClrLst>
+    <dgm:linClrLst meth="repeat">
+      <a:schemeClr val="accent1">
+        <a:tint val="60000"/>
+      </a:schemeClr>
+    </dgm:linClrLst>
+    <dgm:effectClrLst/>
+    <dgm:txLinClrLst/>
+    <dgm:txFillClrLst meth="repeat">
+      <a:schemeClr val="lt1"/>
+    </dgm:txFillClrLst>
+    <dgm:txEffectClrLst/>
+  </dgm:styleLbl>
+  <dgm:styleLbl name="parChTrans2D2">
+    <dgm:fillClrLst meth="repeat">
+      <a:schemeClr val="accent1"/>
+    </dgm:fillClrLst>
+    <dgm:linClrLst meth="repeat">
+      <a:schemeClr val="accent1"/>
+    </dgm:linClrLst>
+    <dgm:effectClrLst/>
+    <dgm:txLinClrLst/>
+    <dgm:txFillClrLst meth="repeat">
+      <a:schemeClr val="lt1"/>
+    </dgm:txFillClrLst>
+    <dgm:txEffectClrLst/>
+  </dgm:styleLbl>
+  <dgm:styleLbl name="parChTrans2D3">
+    <dgm:fillClrLst meth="repeat">
+      <a:schemeClr val="accent1"/>
+    </dgm:fillClrLst>
+    <dgm:linClrLst meth="repeat">
+      <a:schemeClr val="accent1"/>
+    </dgm:linClrLst>
+    <dgm:effectClrLst/>
+    <dgm:txLinClrLst/>
+    <dgm:txFillClrLst meth="repeat">
+      <a:schemeClr val="lt1"/>
+    </dgm:txFillClrLst>
+    <dgm:txEffectClrLst/>
+  </dgm:styleLbl>
+  <dgm:styleLbl name="parChTrans2D4">
+    <dgm:fillClrLst meth="repeat">
+      <a:schemeClr val="accent1"/>
+    </dgm:fillClrLst>
+    <dgm:linClrLst meth="repeat">
+      <a:schemeClr val="accent1"/>
+    </dgm:linClrLst>
+    <dgm:effectClrLst/>
+    <dgm:txLinClrLst/>
+    <dgm:txFillClrLst meth="repeat">
+      <a:schemeClr val="lt1"/>
+    </dgm:txFillClrLst>
+    <dgm:txEffectClrLst/>
+  </dgm:styleLbl>
+  <dgm:styleLbl name="parChTrans1D1">
+    <dgm:fillClrLst meth="repeat">
+      <a:schemeClr val="accent1"/>
+    </dgm:fillClrLst>
+    <dgm:linClrLst meth="repeat">
+      <a:schemeClr val="accent1">
+        <a:shade val="60000"/>
+      </a:schemeClr>
+    </dgm:linClrLst>
+    <dgm:effectClrLst/>
+    <dgm:txLinClrLst/>
+    <dgm:txFillClrLst meth="repeat">
+      <a:schemeClr val="tx1"/>
+    </dgm:txFillClrLst>
+    <dgm:txEffectClrLst/>
+  </dgm:styleLbl>
+  <dgm:styleLbl name="parChTrans1D2">
+    <dgm:fillClrLst meth="repeat">
+      <a:schemeClr val="accent1"/>
+    </dgm:fillClrLst>
+    <dgm:linClrLst meth="repeat">
+      <a:schemeClr val="accent1">
+        <a:shade val="60000"/>
+      </a:schemeClr>
+    </dgm:linClrLst>
+    <dgm:effectClrLst/>
+    <dgm:txLinClrLst/>
+    <dgm:txFillClrLst meth="repeat">
+      <a:schemeClr val="tx1"/>
+    </dgm:txFillClrLst>
+    <dgm:txEffectClrLst/>
+  </dgm:styleLbl>
+  <dgm:styleLbl name="parChTrans1D3">
+    <dgm:fillClrLst meth="repeat">
+      <a:schemeClr val="accent1"/>
+    </dgm:fillClrLst>
+    <dgm:linClrLst meth="repeat">
+      <a:schemeClr val="accent1">
+        <a:shade val="80000"/>
+      </a:schemeClr>
+    </dgm:linClrLst>
+    <dgm:effectClrLst/>
+    <dgm:txLinClrLst/>
+    <dgm:txFillClrLst meth="repeat">
+      <a:schemeClr val="tx1"/>
+    </dgm:txFillClrLst>
+    <dgm:txEffectClrLst/>
+  </dgm:styleLbl>
+  <dgm:styleLbl name="parChTrans1D4">
+    <dgm:fillClrLst meth="repeat">
+      <a:schemeClr val="accent1"/>
+    </dgm:fillClrLst>
+    <dgm:linClrLst meth="repeat">
+      <a:schemeClr val="accent1">
+        <a:shade val="80000"/>
+      </a:schemeClr>
+    </dgm:linClrLst>
+    <dgm:effectClrLst/>
+    <dgm:txLinClrLst/>
+    <dgm:txFillClrLst meth="repeat">
+      <a:schemeClr val="tx1"/>
+    </dgm:txFillClrLst>
+    <dgm:txEffectClrLst/>
+  </dgm:styleLbl>
+  <dgm:styleLbl name="fgAcc1">
+    <dgm:fillClrLst meth="repeat">
+      <a:schemeClr val="lt1">
+        <a:alpha val="90000"/>
+      </a:schemeClr>
+    </dgm:fillClrLst>
+    <dgm:linClrLst meth="repeat">
+      <a:schemeClr val="accent1"/>
+    </dgm:linClrLst>
+    <dgm:effectClrLst/>
+    <dgm:txLinClrLst/>
+    <dgm:txFillClrLst meth="repeat">
+      <a:schemeClr val="dk1"/>
+    </dgm:txFillClrLst>
+    <dgm:txEffectClrLst/>
+  </dgm:styleLbl>
+  <dgm:styleLbl name="conFgAcc1">
+    <dgm:fillClrLst meth="repeat">
+      <a:schemeClr val="lt1">
+        <a:alpha val="90000"/>
+      </a:schemeClr>
+    </dgm:fillClrLst>
+    <dgm:linClrLst meth="repeat">
+      <a:schemeClr val="accent1"/>
+    </dgm:linClrLst>
+    <dgm:effectClrLst/>
+    <dgm:txLinClrLst/>
+    <dgm:txFillClrLst meth="repeat">
+      <a:schemeClr val="dk1"/>
+    </dgm:txFillClrLst>
+    <dgm:txEffectClrLst/>
+  </dgm:styleLbl>
+  <dgm:styleLbl name="alignAcc1">
+    <dgm:fillClrLst meth="repeat">
+      <a:schemeClr val="lt1">
+        <a:alpha val="90000"/>
+      </a:schemeClr>
+    </dgm:fillClrLst>
+    <dgm:linClrLst meth="repeat">
+      <a:schemeClr val="accent1"/>
+    </dgm:linClrLst>
+    <dgm:effectClrLst/>
+    <dgm:txLinClrLst/>
+    <dgm:txFillClrLst meth="repeat">
+      <a:schemeClr val="dk1"/>
+    </dgm:txFillClrLst>
+    <dgm:txEffectClrLst/>
+  </dgm:styleLbl>
+  <dgm:styleLbl name="trAlignAcc1">
+    <dgm:fillClrLst meth="repeat">
+      <a:schemeClr val="lt1">
+        <a:alpha val="40000"/>
+      </a:schemeClr>
+    </dgm:fillClrLst>
+    <dgm:linClrLst meth="repeat">
+      <a:schemeClr val="accent1"/>
+    </dgm:linClrLst>
+    <dgm:effectClrLst/>
+    <dgm:txLinClrLst/>
+    <dgm:txFillClrLst meth="repeat">
+      <a:schemeClr val="dk1"/>
+    </dgm:txFillClrLst>
+    <dgm:txEffectClrLst/>
+  </dgm:styleLbl>
+  <dgm:styleLbl name="bgAcc1">
+    <dgm:fillClrLst meth="repeat">
+      <a:schemeClr val="lt1">
+        <a:alpha val="90000"/>
+      </a:schemeClr>
+    </dgm:fillClrLst>
+    <dgm:linClrLst meth="repeat">
+      <a:schemeClr val="accent1"/>
+    </dgm:linClrLst>
+    <dgm:effectClrLst/>
+    <dgm:txLinClrLst/>
+    <dgm:txFillClrLst meth="repeat">
+      <a:schemeClr val="dk1"/>
+    </dgm:txFillClrLst>
+    <dgm:txEffectClrLst/>
+  </dgm:styleLbl>
+  <dgm:styleLbl name="solidFgAcc1">
+    <dgm:fillClrLst meth="repeat">
+      <a:schemeClr val="lt1"/>
+    </dgm:fillClrLst>
+    <dgm:linClrLst meth="repeat">
+      <a:schemeClr val="accent1"/>
+    </dgm:linClrLst>
+    <dgm:effectClrLst/>
+    <dgm:txLinClrLst/>
+    <dgm:txFillClrLst meth="repeat">
+      <a:schemeClr val="dk1"/>
+    </dgm:txFillClrLst>
+    <dgm:txEffectClrLst/>
+  </dgm:styleLbl>
+  <dgm:styleLbl name="solidAlignAcc1">
+    <dgm:fillClrLst meth="repeat">
+      <a:schemeClr val="lt1"/>
+    </dgm:fillClrLst>
+    <dgm:linClrLst meth="repeat">
+      <a:schemeClr val="accent1"/>
+    </dgm:linClrLst>
+    <dgm:effectClrLst/>
+    <dgm:txLinClrLst/>
+    <dgm:txFillClrLst meth="repeat">
+      <a:schemeClr val="dk1"/>
+    </dgm:txFillClrLst>
+    <dgm:txEffectClrLst/>
+  </dgm:styleLbl>
+  <dgm:styleLbl name="solidBgAcc1">
+    <dgm:fillClrLst meth="repeat">
+      <a:schemeClr val="lt1"/>
+    </dgm:fillClrLst>
+    <dgm:linClrLst meth="repeat">
+      <a:schemeClr val="accent1"/>
+    </dgm:linClrLst>
+    <dgm:effectClrLst/>
+    <dgm:txLinClrLst/>
+    <dgm:txFillClrLst meth="repeat">
+      <a:schemeClr val="dk1"/>
+    </dgm:txFillClrLst>
+    <dgm:txEffectClrLst/>
+  </dgm:styleLbl>
+  <dgm:styleLbl name="fgAccFollowNode1">
+    <dgm:fillClrLst meth="repeat">
+      <a:schemeClr val="accent1">
+        <a:alpha val="90000"/>
+        <a:tint val="40000"/>
+      </a:schemeClr>
+    </dgm:fillClrLst>
+    <dgm:linClrLst meth="repeat">
+      <a:schemeClr val="accent1">
+        <a:alpha val="90000"/>
+        <a:tint val="40000"/>
+      </a:schemeClr>
+    </dgm:linClrLst>
+    <dgm:effectClrLst/>
+    <dgm:txLinClrLst/>
+    <dgm:txFillClrLst meth="repeat">
+      <a:schemeClr val="dk1"/>
+    </dgm:txFillClrLst>
+    <dgm:txEffectClrLst/>
+  </dgm:styleLbl>
+  <dgm:styleLbl name="alignAccFollowNode1">
+    <dgm:fillClrLst meth="repeat">
+      <a:schemeClr val="accent1">
+        <a:alpha val="90000"/>
+        <a:tint val="40000"/>
+      </a:schemeClr>
+    </dgm:fillClrLst>
+    <dgm:linClrLst meth="repeat">
+      <a:schemeClr val="accent1">
+        <a:alpha val="90000"/>
+        <a:tint val="40000"/>
+      </a:schemeClr>
+    </dgm:linClrLst>
+    <dgm:effectClrLst/>
+    <dgm:txLinClrLst/>
+    <dgm:txFillClrLst meth="repeat">
+      <a:schemeClr val="dk1"/>
+    </dgm:txFillClrLst>
+    <dgm:txEffectClrLst/>
+  </dgm:styleLbl>
+  <dgm:styleLbl name="bgAccFollowNode1">
+    <dgm:fillClrLst meth="repeat">
+      <a:schemeClr val="accent1">
+        <a:alpha val="90000"/>
+        <a:tint val="40000"/>
+      </a:schemeClr>
+    </dgm:fillClrLst>
+    <dgm:linClrLst meth="repeat">
+      <a:schemeClr val="accent1">
+        <a:alpha val="90000"/>
+        <a:tint val="40000"/>
+      </a:schemeClr>
+    </dgm:linClrLst>
+    <dgm:effectClrLst/>
+    <dgm:txLinClrLst/>
+    <dgm:txFillClrLst meth="repeat">
+      <a:schemeClr val="dk1"/>
+    </dgm:txFillClrLst>
+    <dgm:txEffectClrLst/>
+  </dgm:styleLbl>
+  <dgm:styleLbl name="fgAcc0">
+    <dgm:fillClrLst meth="repeat">
+      <a:schemeClr val="lt1">
+        <a:alpha val="90000"/>
+      </a:schemeClr>
+    </dgm:fillClrLst>
+    <dgm:linClrLst meth="repeat">
+      <a:schemeClr val="accent1"/>
+    </dgm:linClrLst>
+    <dgm:effectClrLst/>
+    <dgm:txLinClrLst/>
+    <dgm:txFillClrLst meth="repeat">
+      <a:schemeClr val="dk1"/>
+    </dgm:txFillClrLst>
+    <dgm:txEffectClrLst/>
+  </dgm:styleLbl>
+  <dgm:styleLbl name="fgAcc2">
+    <dgm:fillClrLst meth="repeat">
+      <a:schemeClr val="lt1">
+        <a:alpha val="90000"/>
+      </a:schemeClr>
+    </dgm:fillClrLst>
+    <dgm:linClrLst meth="repeat">
+      <a:schemeClr val="accent1"/>
+    </dgm:linClrLst>
+    <dgm:effectClrLst/>
+    <dgm:txLinClrLst/>
+    <dgm:txFillClrLst meth="repeat">
+      <a:schemeClr val="dk1"/>
+    </dgm:txFillClrLst>
+    <dgm:txEffectClrLst/>
+  </dgm:styleLbl>
+  <dgm:styleLbl name="fgAcc3">
+    <dgm:fillClrLst meth="repeat">
+      <a:schemeClr val="lt1">
+        <a:alpha val="90000"/>
+      </a:schemeClr>
+    </dgm:fillClrLst>
+    <dgm:linClrLst meth="repeat">
+      <a:schemeClr val="accent1"/>
+    </dgm:linClrLst>
+    <dgm:effectClrLst/>
+    <dgm:txLinClrLst/>
+    <dgm:txFillClrLst meth="repeat">
+      <a:schemeClr val="dk1"/>
+    </dgm:txFillClrLst>
+    <dgm:txEffectClrLst/>
+  </dgm:styleLbl>
+  <dgm:styleLbl name="fgAcc4">
+    <dgm:fillClrLst meth="repeat">
+      <a:schemeClr val="lt1">
+        <a:alpha val="90000"/>
+      </a:schemeClr>
+    </dgm:fillClrLst>
+    <dgm:linClrLst meth="repeat">
+      <a:schemeClr val="accent1"/>
+    </dgm:linClrLst>
+    <dgm:effectClrLst/>
+    <dgm:txLinClrLst/>
+    <dgm:txFillClrLst meth="repeat">
+      <a:schemeClr val="dk1"/>
+    </dgm:txFillClrLst>
+    <dgm:txEffectClrLst/>
+  </dgm:styleLbl>
+  <dgm:styleLbl name="bgShp">
+    <dgm:fillClrLst meth="repeat">
+      <a:schemeClr val="accent1">
+        <a:tint val="40000"/>
+      </a:schemeClr>
+    </dgm:fillClrLst>
+    <dgm:linClrLst meth="repeat">
+      <a:schemeClr val="accent1"/>
+    </dgm:linClrLst>
+    <dgm:effectClrLst/>
+    <dgm:txLinClrLst/>
+    <dgm:txFillClrLst meth="repeat">
+      <a:schemeClr val="dk1"/>
+    </dgm:txFillClrLst>
+    <dgm:txEffectClrLst/>
+  </dgm:styleLbl>
+  <dgm:styleLbl name="dkBgShp">
+    <dgm:fillClrLst meth="repeat">
+      <a:schemeClr val="accent1">
+        <a:shade val="80000"/>
+      </a:schemeClr>
+    </dgm:fillClrLst>
+    <dgm:linClrLst meth="repeat">
+      <a:schemeClr val="accent1"/>
+    </dgm:linClrLst>
+    <dgm:effectClrLst/>
+    <dgm:txLinClrLst/>
+    <dgm:txFillClrLst meth="repeat">
+      <a:schemeClr val="lt1"/>
+    </dgm:txFillClrLst>
+    <dgm:txEffectClrLst/>
+  </dgm:styleLbl>
+  <dgm:styleLbl name="trBgShp">
+    <dgm:fillClrLst meth="repeat">
+      <a:schemeClr val="accent1">
+        <a:tint val="50000"/>
+        <a:alpha val="40000"/>
+      </a:schemeClr>
+    </dgm:fillClrLst>
+    <dgm:linClrLst meth="repeat">
+      <a:schemeClr val="accent1"/>
+    </dgm:linClrLst>
+    <dgm:effectClrLst/>
+    <dgm:txLinClrLst/>
+    <dgm:txFillClrLst meth="repeat">
+      <a:schemeClr val="lt1"/>
+    </dgm:txFillClrLst>
+    <dgm:txEffectClrLst/>
+  </dgm:styleLbl>
+  <dgm:styleLbl name="fgShp">
+    <dgm:fillClrLst meth="repeat">
+      <a:schemeClr val="accent1">
+        <a:tint val="60000"/>
+      </a:schemeClr>
+    </dgm:fillClrLst>
+    <dgm:linClrLst meth="repeat">
+      <a:schemeClr val="lt1"/>
+    </dgm:linClrLst>
+    <dgm:effectClrLst/>
+    <dgm:txLinClrLst/>
+    <dgm:txFillClrLst meth="repeat">
+      <a:schemeClr val="dk1"/>
+    </dgm:txFillClrLst>
+    <dgm:txEffectClrLst/>
+  </dgm:styleLbl>
+  <dgm:styleLbl name="revTx">
+    <dgm:fillClrLst meth="repeat">
+      <a:schemeClr val="lt1">
+        <a:alpha val="0"/>
+      </a:schemeClr>
+    </dgm:fillClrLst>
+    <dgm:linClrLst meth="repeat">
+      <a:schemeClr val="dk1">
+        <a:alpha val="0"/>
+      </a:schemeClr>
+    </dgm:linClrLst>
+    <dgm:effectClrLst/>
+    <dgm:txLinClrLst/>
+    <dgm:txFillClrLst meth="repeat">
+      <a:schemeClr val="tx1"/>
+    </dgm:txFillClrLst>
+    <dgm:txEffectClrLst/>
+  </dgm:styleLbl>
+</dgm:colorsDef>
+</file>
+
+<file path=ppt/diagrams/colors10.xml><?xml version="1.0" encoding="utf-8"?>
 <dgm:colorsDef xmlns:dgm="http://schemas.openxmlformats.org/drawingml/2006/diagram" xmlns:a="http://schemas.openxmlformats.org/drawingml/2006/main" uniqueId="urn:microsoft.com/office/officeart/2005/8/colors/accent1_2">
   <dgm:title val=""/>
   <dgm:desc val=""/>
@@ -7023,6 +7771,86 @@
   <dgm:extLst>
     <a:ext uri="http://schemas.microsoft.com/office/drawing/2008/diagram">
       <dsp:dataModelExt xmlns:dsp="http://schemas.microsoft.com/office/drawing/2008/diagram" relId="rId6" minVer="http://schemas.openxmlformats.org/drawingml/2006/diagram"/>
+    </a:ext>
+  </dgm:extLst>
+</dgm:dataModel>
+</file>
+
+<file path=ppt/diagrams/data10.xml><?xml version="1.0" encoding="utf-8"?>
+<dgm:dataModel xmlns:dgm="http://schemas.openxmlformats.org/drawingml/2006/diagram" xmlns:a="http://schemas.openxmlformats.org/drawingml/2006/main">
+  <dgm:ptLst>
+    <dgm:pt modelId="{6E252EC3-6EA1-4359-A42A-79D0C6B504C1}" type="doc">
+      <dgm:prSet loTypeId="urn:microsoft.com/office/officeart/2005/8/layout/chevron1" loCatId="process" qsTypeId="urn:microsoft.com/office/officeart/2005/8/quickstyle/simple1" qsCatId="simple" csTypeId="urn:microsoft.com/office/officeart/2005/8/colors/accent1_2" csCatId="accent1" phldr="1"/>
+      <dgm:spPr/>
+    </dgm:pt>
+    <dgm:pt modelId="{96132D83-DA41-414E-889B-E4C5CE8694A0}">
+      <dgm:prSet phldrT="[Text]" custT="1"/>
+      <dgm:spPr/>
+      <dgm:t>
+        <a:bodyPr/>
+        <a:lstStyle/>
+        <a:p>
+          <a:r>
+            <a:rPr lang="en-US" sz="2400" dirty="0"/>
+            <a:t>Analysis</a:t>
+          </a:r>
+        </a:p>
+      </dgm:t>
+    </dgm:pt>
+    <dgm:pt modelId="{50E04D2D-9980-4455-9912-801B8283FFC4}" type="parTrans" cxnId="{D8501259-ED3E-4A33-80C1-0C476D365D9D}">
+      <dgm:prSet/>
+      <dgm:spPr/>
+      <dgm:t>
+        <a:bodyPr/>
+        <a:lstStyle/>
+        <a:p>
+          <a:endParaRPr lang="en-US"/>
+        </a:p>
+      </dgm:t>
+    </dgm:pt>
+    <dgm:pt modelId="{0F30A3F1-6508-40B6-AF3D-92C276273E05}" type="sibTrans" cxnId="{D8501259-ED3E-4A33-80C1-0C476D365D9D}">
+      <dgm:prSet/>
+      <dgm:spPr/>
+      <dgm:t>
+        <a:bodyPr/>
+        <a:lstStyle/>
+        <a:p>
+          <a:endParaRPr lang="en-US"/>
+        </a:p>
+      </dgm:t>
+    </dgm:pt>
+    <dgm:pt modelId="{5BFA2AFC-E400-4979-A4D0-6A4733D3A58E}" type="pres">
+      <dgm:prSet presAssocID="{6E252EC3-6EA1-4359-A42A-79D0C6B504C1}" presName="Name0" presStyleCnt="0">
+        <dgm:presLayoutVars>
+          <dgm:dir/>
+          <dgm:animLvl val="lvl"/>
+          <dgm:resizeHandles val="exact"/>
+        </dgm:presLayoutVars>
+      </dgm:prSet>
+      <dgm:spPr/>
+    </dgm:pt>
+    <dgm:pt modelId="{9556F456-DCD8-4E96-9081-808193F13AE5}" type="pres">
+      <dgm:prSet presAssocID="{96132D83-DA41-414E-889B-E4C5CE8694A0}" presName="parTxOnly" presStyleLbl="node1" presStyleIdx="0" presStyleCnt="1">
+        <dgm:presLayoutVars>
+          <dgm:chMax val="0"/>
+          <dgm:chPref val="0"/>
+          <dgm:bulletEnabled val="1"/>
+        </dgm:presLayoutVars>
+      </dgm:prSet>
+      <dgm:spPr/>
+    </dgm:pt>
+  </dgm:ptLst>
+  <dgm:cxnLst>
+    <dgm:cxn modelId="{D8501259-ED3E-4A33-80C1-0C476D365D9D}" srcId="{6E252EC3-6EA1-4359-A42A-79D0C6B504C1}" destId="{96132D83-DA41-414E-889B-E4C5CE8694A0}" srcOrd="0" destOrd="0" parTransId="{50E04D2D-9980-4455-9912-801B8283FFC4}" sibTransId="{0F30A3F1-6508-40B6-AF3D-92C276273E05}"/>
+    <dgm:cxn modelId="{8F12E780-28F5-4990-A153-25154752DF9F}" type="presOf" srcId="{6E252EC3-6EA1-4359-A42A-79D0C6B504C1}" destId="{5BFA2AFC-E400-4979-A4D0-6A4733D3A58E}" srcOrd="0" destOrd="0" presId="urn:microsoft.com/office/officeart/2005/8/layout/chevron1"/>
+    <dgm:cxn modelId="{BE484496-B79A-47A9-A272-F6FF2C880C82}" type="presOf" srcId="{96132D83-DA41-414E-889B-E4C5CE8694A0}" destId="{9556F456-DCD8-4E96-9081-808193F13AE5}" srcOrd="0" destOrd="0" presId="urn:microsoft.com/office/officeart/2005/8/layout/chevron1"/>
+    <dgm:cxn modelId="{7391AAF6-8734-4169-86AE-0C5206E55E9A}" type="presParOf" srcId="{5BFA2AFC-E400-4979-A4D0-6A4733D3A58E}" destId="{9556F456-DCD8-4E96-9081-808193F13AE5}" srcOrd="0" destOrd="0" presId="urn:microsoft.com/office/officeart/2005/8/layout/chevron1"/>
+  </dgm:cxnLst>
+  <dgm:bg/>
+  <dgm:whole/>
+  <dgm:extLst>
+    <a:ext uri="http://schemas.microsoft.com/office/drawing/2008/diagram">
+      <dsp:dataModelExt xmlns:dsp="http://schemas.microsoft.com/office/drawing/2008/diagram" relId="rId7" minVer="http://schemas.openxmlformats.org/drawingml/2006/diagram"/>
     </a:ext>
   </dgm:extLst>
 </dgm:dataModel>
@@ -7914,6 +8742,96 @@
 </dsp:drawing>
 </file>
 
+<file path=ppt/diagrams/drawing10.xml><?xml version="1.0" encoding="utf-8"?>
+<dsp:drawing xmlns:dgm="http://schemas.openxmlformats.org/drawingml/2006/diagram" xmlns:dsp="http://schemas.microsoft.com/office/drawing/2008/diagram" xmlns:a="http://schemas.openxmlformats.org/drawingml/2006/main">
+  <dsp:spTree>
+    <dsp:nvGrpSpPr>
+      <dsp:cNvPr id="0" name=""/>
+      <dsp:cNvGrpSpPr/>
+    </dsp:nvGrpSpPr>
+    <dsp:grpSpPr/>
+    <dsp:sp modelId="{9556F456-DCD8-4E96-9081-808193F13AE5}">
+      <dsp:nvSpPr>
+        <dsp:cNvPr id="0" name=""/>
+        <dsp:cNvSpPr/>
+      </dsp:nvSpPr>
+      <dsp:spPr>
+        <a:xfrm>
+          <a:off x="1170" y="0"/>
+          <a:ext cx="2395021" cy="896813"/>
+        </a:xfrm>
+        <a:prstGeom prst="chevron">
+          <a:avLst/>
+        </a:prstGeom>
+        <a:solidFill>
+          <a:schemeClr val="accent1">
+            <a:hueOff val="0"/>
+            <a:satOff val="0"/>
+            <a:lumOff val="0"/>
+            <a:alphaOff val="0"/>
+          </a:schemeClr>
+        </a:solidFill>
+        <a:ln w="12700" cap="flat" cmpd="sng" algn="ctr">
+          <a:solidFill>
+            <a:schemeClr val="lt1">
+              <a:hueOff val="0"/>
+              <a:satOff val="0"/>
+              <a:lumOff val="0"/>
+              <a:alphaOff val="0"/>
+            </a:schemeClr>
+          </a:solidFill>
+          <a:prstDash val="solid"/>
+          <a:miter lim="800000"/>
+        </a:ln>
+        <a:effectLst/>
+      </dsp:spPr>
+      <dsp:style>
+        <a:lnRef idx="2">
+          <a:scrgbClr r="0" g="0" b="0"/>
+        </a:lnRef>
+        <a:fillRef idx="1">
+          <a:scrgbClr r="0" g="0" b="0"/>
+        </a:fillRef>
+        <a:effectRef idx="0">
+          <a:scrgbClr r="0" g="0" b="0"/>
+        </a:effectRef>
+        <a:fontRef idx="minor">
+          <a:schemeClr val="lt1"/>
+        </a:fontRef>
+      </dsp:style>
+      <dsp:txBody>
+        <a:bodyPr spcFirstLastPara="0" vert="horz" wrap="square" lIns="96012" tIns="32004" rIns="32004" bIns="32004" numCol="1" spcCol="1270" anchor="ctr" anchorCtr="0">
+          <a:noAutofit/>
+        </a:bodyPr>
+        <a:lstStyle/>
+        <a:p>
+          <a:pPr marL="0" lvl="0" indent="0" algn="ctr" defTabSz="1066800">
+            <a:lnSpc>
+              <a:spcPct val="90000"/>
+            </a:lnSpc>
+            <a:spcBef>
+              <a:spcPct val="0"/>
+            </a:spcBef>
+            <a:spcAft>
+              <a:spcPct val="35000"/>
+            </a:spcAft>
+            <a:buNone/>
+          </a:pPr>
+          <a:r>
+            <a:rPr lang="en-US" sz="2400" kern="1200" dirty="0"/>
+            <a:t>Analysis</a:t>
+          </a:r>
+        </a:p>
+      </dsp:txBody>
+      <dsp:txXfrm>
+        <a:off x="449577" y="0"/>
+        <a:ext cx="1498208" cy="896813"/>
+      </dsp:txXfrm>
+    </dsp:sp>
+  </dsp:spTree>
+</dsp:drawing>
+</file>
+
 <file path=ppt/diagrams/drawing2.xml><?xml version="1.0" encoding="utf-8"?>
 <dsp:drawing xmlns:dgm="http://schemas.openxmlformats.org/drawingml/2006/diagram" xmlns:dsp="http://schemas.microsoft.com/office/drawing/2008/diagram" xmlns:a="http://schemas.openxmlformats.org/drawingml/2006/main">
   <dsp:spTree>
@@ -8635,6 +9553,289 @@
 </file>
 
 <file path=ppt/diagrams/layout1.xml><?xml version="1.0" encoding="utf-8"?>
+<dgm:layoutDef xmlns:dgm="http://schemas.openxmlformats.org/drawingml/2006/diagram" xmlns:a="http://schemas.openxmlformats.org/drawingml/2006/main" uniqueId="urn:microsoft.com/office/officeart/2005/8/layout/chevron1">
+  <dgm:title val=""/>
+  <dgm:desc val=""/>
+  <dgm:catLst>
+    <dgm:cat type="process" pri="9000"/>
+  </dgm:catLst>
+  <dgm:sampData useDef="1">
+    <dgm:dataModel>
+      <dgm:ptLst/>
+      <dgm:bg/>
+      <dgm:whole/>
+    </dgm:dataModel>
+  </dgm:sampData>
+  <dgm:styleData>
+    <dgm:dataModel>
+      <dgm:ptLst>
+        <dgm:pt modelId="0" type="doc"/>
+        <dgm:pt modelId="1"/>
+        <dgm:pt modelId="2"/>
+      </dgm:ptLst>
+      <dgm:cxnLst>
+        <dgm:cxn modelId="3" srcId="0" destId="1" srcOrd="0" destOrd="0"/>
+        <dgm:cxn modelId="4" srcId="0" destId="2" srcOrd="1" destOrd="0"/>
+      </dgm:cxnLst>
+      <dgm:bg/>
+      <dgm:whole/>
+    </dgm:dataModel>
+  </dgm:styleData>
+  <dgm:clrData>
+    <dgm:dataModel>
+      <dgm:ptLst>
+        <dgm:pt modelId="0" type="doc"/>
+        <dgm:pt modelId="1"/>
+        <dgm:pt modelId="2"/>
+        <dgm:pt modelId="3"/>
+        <dgm:pt modelId="4"/>
+      </dgm:ptLst>
+      <dgm:cxnLst>
+        <dgm:cxn modelId="5" srcId="0" destId="1" srcOrd="0" destOrd="0"/>
+        <dgm:cxn modelId="6" srcId="0" destId="2" srcOrd="1" destOrd="0"/>
+        <dgm:cxn modelId="7" srcId="0" destId="3" srcOrd="2" destOrd="0"/>
+        <dgm:cxn modelId="8" srcId="0" destId="4" srcOrd="3" destOrd="0"/>
+      </dgm:cxnLst>
+      <dgm:bg/>
+      <dgm:whole/>
+    </dgm:dataModel>
+  </dgm:clrData>
+  <dgm:layoutNode name="Name0">
+    <dgm:varLst>
+      <dgm:dir/>
+      <dgm:animLvl val="lvl"/>
+      <dgm:resizeHandles val="exact"/>
+    </dgm:varLst>
+    <dgm:choose name="Name1">
+      <dgm:if name="Name2" func="var" arg="dir" op="equ" val="norm">
+        <dgm:alg type="lin"/>
+      </dgm:if>
+      <dgm:else name="Name3">
+        <dgm:alg type="lin">
+          <dgm:param type="linDir" val="fromR"/>
+        </dgm:alg>
+      </dgm:else>
+    </dgm:choose>
+    <dgm:shape xmlns:r="http://schemas.openxmlformats.org/officeDocument/2006/relationships" r:blip="">
+      <dgm:adjLst/>
+    </dgm:shape>
+    <dgm:presOf/>
+    <dgm:choose name="Name4">
+      <dgm:if name="Name5" axis="des" func="maxDepth" op="gte" val="2">
+        <dgm:constrLst>
+          <dgm:constr type="h" for="ch" forName="composite" refType="h"/>
+          <dgm:constr type="w" for="ch" forName="composite" refType="w"/>
+          <dgm:constr type="w" for="des" forName="parTx"/>
+          <dgm:constr type="h" for="des" forName="parTx" op="equ"/>
+          <dgm:constr type="w" for="des" forName="desTx"/>
+          <dgm:constr type="h" for="des" forName="desTx" op="equ"/>
+          <dgm:constr type="primFontSz" for="des" forName="parTx" val="65"/>
+          <dgm:constr type="secFontSz" for="des" forName="desTx" refType="primFontSz" refFor="des" refForName="parTx" op="equ"/>
+          <dgm:constr type="h" for="des" forName="parTx" refType="primFontSz" refFor="des" refForName="parTx" fact="1.5"/>
+          <dgm:constr type="h" for="des" forName="desTx" refType="primFontSz" refFor="des" refForName="parTx" fact="0.5"/>
+          <dgm:constr type="w" for="ch" forName="space" op="equ" val="-6"/>
+        </dgm:constrLst>
+        <dgm:ruleLst>
+          <dgm:rule type="w" for="ch" forName="composite" val="0" fact="NaN" max="NaN"/>
+          <dgm:rule type="primFontSz" for="des" forName="parTx" val="5" fact="NaN" max="NaN"/>
+        </dgm:ruleLst>
+        <dgm:forEach name="Name6" axis="ch" ptType="node">
+          <dgm:layoutNode name="composite">
+            <dgm:alg type="composite"/>
+            <dgm:shape xmlns:r="http://schemas.openxmlformats.org/officeDocument/2006/relationships" r:blip="">
+              <dgm:adjLst/>
+            </dgm:shape>
+            <dgm:presOf/>
+            <dgm:choose name="Name7">
+              <dgm:if name="Name8" func="var" arg="dir" op="equ" val="norm">
+                <dgm:constrLst>
+                  <dgm:constr type="l" for="ch" forName="parTx"/>
+                  <dgm:constr type="w" for="ch" forName="parTx" refType="w"/>
+                  <dgm:constr type="t" for="ch" forName="parTx"/>
+                  <dgm:constr type="l" for="ch" forName="desTx"/>
+                  <dgm:constr type="w" for="ch" forName="desTx" refType="w" refFor="ch" refForName="parTx" fact="0.8"/>
+                  <dgm:constr type="t" for="ch" forName="desTx" refType="h" refFor="ch" refForName="parTx" fact="1.125"/>
+                </dgm:constrLst>
+              </dgm:if>
+              <dgm:else name="Name9">
+                <dgm:constrLst>
+                  <dgm:constr type="l" for="ch" forName="parTx"/>
+                  <dgm:constr type="w" for="ch" forName="parTx" refType="w"/>
+                  <dgm:constr type="t" for="ch" forName="parTx"/>
+                  <dgm:constr type="l" for="ch" forName="desTx" refType="w" fact="0.2"/>
+                  <dgm:constr type="w" for="ch" forName="desTx" refType="w" refFor="ch" refForName="parTx" fact="0.8"/>
+                  <dgm:constr type="t" for="ch" forName="desTx" refType="h" refFor="ch" refForName="parTx" fact="1.125"/>
+                </dgm:constrLst>
+              </dgm:else>
+            </dgm:choose>
+            <dgm:ruleLst>
+              <dgm:rule type="h" val="INF" fact="NaN" max="NaN"/>
+            </dgm:ruleLst>
+            <dgm:layoutNode name="parTx">
+              <dgm:varLst>
+                <dgm:chMax val="0"/>
+                <dgm:chPref val="0"/>
+                <dgm:bulletEnabled val="1"/>
+              </dgm:varLst>
+              <dgm:alg type="tx"/>
+              <dgm:choose name="Name10">
+                <dgm:if name="Name11" func="var" arg="dir" op="equ" val="norm">
+                  <dgm:shape xmlns:r="http://schemas.openxmlformats.org/officeDocument/2006/relationships" type="chevron" r:blip="">
+                    <dgm:adjLst/>
+                  </dgm:shape>
+                </dgm:if>
+                <dgm:else name="Name12">
+                  <dgm:shape xmlns:r="http://schemas.openxmlformats.org/officeDocument/2006/relationships" rot="180" type="chevron" r:blip="">
+                    <dgm:adjLst/>
+                  </dgm:shape>
+                </dgm:else>
+              </dgm:choose>
+              <dgm:presOf axis="self" ptType="node"/>
+              <dgm:choose name="Name13">
+                <dgm:if name="Name14" func="var" arg="dir" op="equ" val="norm">
+                  <dgm:constrLst>
+                    <dgm:constr type="h" refType="w" op="lte" fact="0.4"/>
+                    <dgm:constr type="h"/>
+                    <dgm:constr type="tMarg" refType="primFontSz" fact="0.105"/>
+                    <dgm:constr type="bMarg" refType="primFontSz" fact="0.105"/>
+                    <dgm:constr type="lMarg" refType="primFontSz" fact="0.315"/>
+                    <dgm:constr type="rMarg" refType="primFontSz" fact="0.105"/>
+                  </dgm:constrLst>
+                </dgm:if>
+                <dgm:else name="Name15">
+                  <dgm:constrLst>
+                    <dgm:constr type="h" refType="w" op="lte" fact="0.4"/>
+                    <dgm:constr type="h"/>
+                    <dgm:constr type="tMarg" refType="primFontSz" fact="0.105"/>
+                    <dgm:constr type="bMarg" refType="primFontSz" fact="0.105"/>
+                    <dgm:constr type="lMarg" refType="primFontSz" fact="0.105"/>
+                    <dgm:constr type="rMarg" refType="primFontSz" fact="0.315"/>
+                  </dgm:constrLst>
+                </dgm:else>
+              </dgm:choose>
+              <dgm:ruleLst>
+                <dgm:rule type="h" val="INF" fact="NaN" max="NaN"/>
+              </dgm:ruleLst>
+            </dgm:layoutNode>
+            <dgm:layoutNode name="desTx" styleLbl="revTx">
+              <dgm:varLst>
+                <dgm:bulletEnabled val="1"/>
+              </dgm:varLst>
+              <dgm:alg type="tx">
+                <dgm:param type="stBulletLvl" val="1"/>
+              </dgm:alg>
+              <dgm:choose name="Name16">
+                <dgm:if name="Name17" axis="ch" ptType="node" func="cnt" op="gte" val="1">
+                  <dgm:shape xmlns:r="http://schemas.openxmlformats.org/officeDocument/2006/relationships" type="rect" r:blip="">
+                    <dgm:adjLst/>
+                  </dgm:shape>
+                </dgm:if>
+                <dgm:else name="Name18">
+                  <dgm:shape xmlns:r="http://schemas.openxmlformats.org/officeDocument/2006/relationships" type="rect" r:blip="" hideGeom="1">
+                    <dgm:adjLst/>
+                  </dgm:shape>
+                </dgm:else>
+              </dgm:choose>
+              <dgm:presOf axis="des" ptType="node"/>
+              <dgm:constrLst>
+                <dgm:constr type="secFontSz" val="65"/>
+                <dgm:constr type="primFontSz" refType="secFontSz"/>
+                <dgm:constr type="h"/>
+                <dgm:constr type="tMarg"/>
+                <dgm:constr type="bMarg"/>
+                <dgm:constr type="rMarg"/>
+                <dgm:constr type="lMarg"/>
+              </dgm:constrLst>
+              <dgm:ruleLst>
+                <dgm:rule type="h" val="INF" fact="NaN" max="NaN"/>
+              </dgm:ruleLst>
+            </dgm:layoutNode>
+          </dgm:layoutNode>
+          <dgm:forEach name="Name19" axis="followSib" ptType="sibTrans" cnt="1">
+            <dgm:layoutNode name="space">
+              <dgm:alg type="sp"/>
+              <dgm:shape xmlns:r="http://schemas.openxmlformats.org/officeDocument/2006/relationships" r:blip="">
+                <dgm:adjLst/>
+              </dgm:shape>
+              <dgm:presOf/>
+              <dgm:constrLst/>
+              <dgm:ruleLst/>
+            </dgm:layoutNode>
+          </dgm:forEach>
+        </dgm:forEach>
+      </dgm:if>
+      <dgm:else name="Name20">
+        <dgm:constrLst>
+          <dgm:constr type="w" for="ch" forName="parTxOnly" refType="w"/>
+          <dgm:constr type="h" for="des" forName="parTxOnly" op="equ"/>
+          <dgm:constr type="primFontSz" for="des" forName="parTxOnly" op="equ" val="65"/>
+          <dgm:constr type="w" for="ch" forName="parTxOnlySpace" refType="w" refFor="ch" refForName="parTxOnly" fact="-0.1"/>
+        </dgm:constrLst>
+        <dgm:ruleLst/>
+        <dgm:forEach name="Name21" axis="ch" ptType="node">
+          <dgm:layoutNode name="parTxOnly">
+            <dgm:varLst>
+              <dgm:chMax val="0"/>
+              <dgm:chPref val="0"/>
+              <dgm:bulletEnabled val="1"/>
+            </dgm:varLst>
+            <dgm:alg type="tx"/>
+            <dgm:choose name="Name22">
+              <dgm:if name="Name23" func="var" arg="dir" op="equ" val="norm">
+                <dgm:shape xmlns:r="http://schemas.openxmlformats.org/officeDocument/2006/relationships" type="chevron" r:blip="">
+                  <dgm:adjLst/>
+                </dgm:shape>
+              </dgm:if>
+              <dgm:else name="Name24">
+                <dgm:shape xmlns:r="http://schemas.openxmlformats.org/officeDocument/2006/relationships" rot="180" type="chevron" r:blip="">
+                  <dgm:adjLst/>
+                </dgm:shape>
+              </dgm:else>
+            </dgm:choose>
+            <dgm:presOf axis="self" ptType="node"/>
+            <dgm:choose name="Name25">
+              <dgm:if name="Name26" func="var" arg="dir" op="equ" val="norm">
+                <dgm:constrLst>
+                  <dgm:constr type="h" refType="w" op="equ" fact="0.4"/>
+                  <dgm:constr type="tMarg" refType="primFontSz" fact="0.105"/>
+                  <dgm:constr type="bMarg" refType="primFontSz" fact="0.105"/>
+                  <dgm:constr type="lMarg" refType="primFontSz" fact="0.315"/>
+                  <dgm:constr type="rMarg" refType="primFontSz" fact="0.105"/>
+                </dgm:constrLst>
+              </dgm:if>
+              <dgm:else name="Name27">
+                <dgm:constrLst>
+                  <dgm:constr type="h" refType="w" op="equ" fact="0.4"/>
+                  <dgm:constr type="tMarg" refType="primFontSz" fact="0.105"/>
+                  <dgm:constr type="bMarg" refType="primFontSz" fact="0.105"/>
+                  <dgm:constr type="lMarg" refType="primFontSz" fact="0.105"/>
+                  <dgm:constr type="rMarg" refType="primFontSz" fact="0.315"/>
+                </dgm:constrLst>
+              </dgm:else>
+            </dgm:choose>
+            <dgm:ruleLst>
+              <dgm:rule type="primFontSz" val="5" fact="NaN" max="NaN"/>
+            </dgm:ruleLst>
+          </dgm:layoutNode>
+          <dgm:forEach name="Name28" axis="followSib" ptType="sibTrans" cnt="1">
+            <dgm:layoutNode name="parTxOnlySpace">
+              <dgm:alg type="sp"/>
+              <dgm:shape xmlns:r="http://schemas.openxmlformats.org/officeDocument/2006/relationships" r:blip="">
+                <dgm:adjLst/>
+              </dgm:shape>
+              <dgm:presOf/>
+              <dgm:constrLst/>
+              <dgm:ruleLst/>
+            </dgm:layoutNode>
+          </dgm:forEach>
+        </dgm:forEach>
+      </dgm:else>
+    </dgm:choose>
+  </dgm:layoutNode>
+</dgm:layoutDef>
+</file>
+
+<file path=ppt/diagrams/layout10.xml><?xml version="1.0" encoding="utf-8"?>
 <dgm:layoutDef xmlns:dgm="http://schemas.openxmlformats.org/drawingml/2006/diagram" xmlns:a="http://schemas.openxmlformats.org/drawingml/2006/main" uniqueId="urn:microsoft.com/office/officeart/2005/8/layout/chevron1">
   <dgm:title val=""/>
   <dgm:desc val=""/>
@@ -11182,6 +12383,1040 @@
 </file>
 
 <file path=ppt/diagrams/quickStyle1.xml><?xml version="1.0" encoding="utf-8"?>
+<dgm:styleDef xmlns:dgm="http://schemas.openxmlformats.org/drawingml/2006/diagram" xmlns:a="http://schemas.openxmlformats.org/drawingml/2006/main" uniqueId="urn:microsoft.com/office/officeart/2005/8/quickstyle/simple1">
+  <dgm:title val=""/>
+  <dgm:desc val=""/>
+  <dgm:catLst>
+    <dgm:cat type="simple" pri="10100"/>
+  </dgm:catLst>
+  <dgm:scene3d>
+    <a:camera prst="orthographicFront"/>
+    <a:lightRig rig="threePt" dir="t"/>
+  </dgm:scene3d>
+  <dgm:styleLbl name="node0">
+    <dgm:scene3d>
+      <a:camera prst="orthographicFront"/>
+      <a:lightRig rig="threePt" dir="t"/>
+    </dgm:scene3d>
+    <dgm:sp3d/>
+    <dgm:txPr/>
+    <dgm:style>
+      <a:lnRef idx="2">
+        <a:scrgbClr r="0" g="0" b="0"/>
+      </a:lnRef>
+      <a:fillRef idx="1">
+        <a:scrgbClr r="0" g="0" b="0"/>
+      </a:fillRef>
+      <a:effectRef idx="0">
+        <a:scrgbClr r="0" g="0" b="0"/>
+      </a:effectRef>
+      <a:fontRef idx="minor">
+        <a:schemeClr val="lt1"/>
+      </a:fontRef>
+    </dgm:style>
+  </dgm:styleLbl>
+  <dgm:styleLbl name="lnNode1">
+    <dgm:scene3d>
+      <a:camera prst="orthographicFront"/>
+      <a:lightRig rig="threePt" dir="t"/>
+    </dgm:scene3d>
+    <dgm:sp3d/>
+    <dgm:txPr/>
+    <dgm:style>
+      <a:lnRef idx="2">
+        <a:scrgbClr r="0" g="0" b="0"/>
+      </a:lnRef>
+      <a:fillRef idx="1">
+        <a:scrgbClr r="0" g="0" b="0"/>
+      </a:fillRef>
+      <a:effectRef idx="0">
+        <a:scrgbClr r="0" g="0" b="0"/>
+      </a:effectRef>
+      <a:fontRef idx="minor">
+        <a:schemeClr val="lt1"/>
+      </a:fontRef>
+    </dgm:style>
+  </dgm:styleLbl>
+  <dgm:styleLbl name="vennNode1">
+    <dgm:scene3d>
+      <a:camera prst="orthographicFront"/>
+      <a:lightRig rig="threePt" dir="t"/>
+    </dgm:scene3d>
+    <dgm:sp3d/>
+    <dgm:txPr/>
+    <dgm:style>
+      <a:lnRef idx="2">
+        <a:scrgbClr r="0" g="0" b="0"/>
+      </a:lnRef>
+      <a:fillRef idx="1">
+        <a:scrgbClr r="0" g="0" b="0"/>
+      </a:fillRef>
+      <a:effectRef idx="0">
+        <a:scrgbClr r="0" g="0" b="0"/>
+      </a:effectRef>
+      <a:fontRef idx="minor">
+        <a:schemeClr val="tx1"/>
+      </a:fontRef>
+    </dgm:style>
+  </dgm:styleLbl>
+  <dgm:styleLbl name="alignNode1">
+    <dgm:scene3d>
+      <a:camera prst="orthographicFront"/>
+      <a:lightRig rig="threePt" dir="t"/>
+    </dgm:scene3d>
+    <dgm:sp3d/>
+    <dgm:txPr/>
+    <dgm:style>
+      <a:lnRef idx="2">
+        <a:scrgbClr r="0" g="0" b="0"/>
+      </a:lnRef>
+      <a:fillRef idx="1">
+        <a:scrgbClr r="0" g="0" b="0"/>
+      </a:fillRef>
+      <a:effectRef idx="0">
+        <a:scrgbClr r="0" g="0" b="0"/>
+      </a:effectRef>
+      <a:fontRef idx="minor">
+        <a:schemeClr val="lt1"/>
+      </a:fontRef>
+    </dgm:style>
+  </dgm:styleLbl>
+  <dgm:styleLbl name="node1">
+    <dgm:scene3d>
+      <a:camera prst="orthographicFront"/>
+      <a:lightRig rig="threePt" dir="t"/>
+    </dgm:scene3d>
+    <dgm:sp3d/>
+    <dgm:txPr/>
+    <dgm:style>
+      <a:lnRef idx="2">
+        <a:scrgbClr r="0" g="0" b="0"/>
+      </a:lnRef>
+      <a:fillRef idx="1">
+        <a:scrgbClr r="0" g="0" b="0"/>
+      </a:fillRef>
+      <a:effectRef idx="0">
+        <a:scrgbClr r="0" g="0" b="0"/>
+      </a:effectRef>
+      <a:fontRef idx="minor">
+        <a:schemeClr val="lt1"/>
+      </a:fontRef>
+    </dgm:style>
+  </dgm:styleLbl>
+  <dgm:styleLbl name="node2">
+    <dgm:scene3d>
+      <a:camera prst="orthographicFront"/>
+      <a:lightRig rig="threePt" dir="t"/>
+    </dgm:scene3d>
+    <dgm:sp3d/>
+    <dgm:txPr/>
+    <dgm:style>
+      <a:lnRef idx="2">
+        <a:scrgbClr r="0" g="0" b="0"/>
+      </a:lnRef>
+      <a:fillRef idx="1">
+        <a:scrgbClr r="0" g="0" b="0"/>
+      </a:fillRef>
+      <a:effectRef idx="0">
+        <a:scrgbClr r="0" g="0" b="0"/>
+      </a:effectRef>
+      <a:fontRef idx="minor">
+        <a:schemeClr val="lt1"/>
+      </a:fontRef>
+    </dgm:style>
+  </dgm:styleLbl>
+  <dgm:styleLbl name="node3">
+    <dgm:scene3d>
+      <a:camera prst="orthographicFront"/>
+      <a:lightRig rig="threePt" dir="t"/>
+    </dgm:scene3d>
+    <dgm:sp3d/>
+    <dgm:txPr/>
+    <dgm:style>
+      <a:lnRef idx="2">
+        <a:scrgbClr r="0" g="0" b="0"/>
+      </a:lnRef>
+      <a:fillRef idx="1">
+        <a:scrgbClr r="0" g="0" b="0"/>
+      </a:fillRef>
+      <a:effectRef idx="0">
+        <a:scrgbClr r="0" g="0" b="0"/>
+      </a:effectRef>
+      <a:fontRef idx="minor">
+        <a:schemeClr val="lt1"/>
+      </a:fontRef>
+    </dgm:style>
+  </dgm:styleLbl>
+  <dgm:styleLbl name="node4">
+    <dgm:scene3d>
+      <a:camera prst="orthographicFront"/>
+      <a:lightRig rig="threePt" dir="t"/>
+    </dgm:scene3d>
+    <dgm:sp3d/>
+    <dgm:txPr/>
+    <dgm:style>
+      <a:lnRef idx="2">
+        <a:scrgbClr r="0" g="0" b="0"/>
+      </a:lnRef>
+      <a:fillRef idx="1">
+        <a:scrgbClr r="0" g="0" b="0"/>
+      </a:fillRef>
+      <a:effectRef idx="0">
+        <a:scrgbClr r="0" g="0" b="0"/>
+      </a:effectRef>
+      <a:fontRef idx="minor">
+        <a:schemeClr val="lt1"/>
+      </a:fontRef>
+    </dgm:style>
+  </dgm:styleLbl>
+  <dgm:styleLbl name="fgImgPlace1">
+    <dgm:scene3d>
+      <a:camera prst="orthographicFront"/>
+      <a:lightRig rig="threePt" dir="t"/>
+    </dgm:scene3d>
+    <dgm:sp3d/>
+    <dgm:txPr/>
+    <dgm:style>
+      <a:lnRef idx="2">
+        <a:scrgbClr r="0" g="0" b="0"/>
+      </a:lnRef>
+      <a:fillRef idx="1">
+        <a:scrgbClr r="0" g="0" b="0"/>
+      </a:fillRef>
+      <a:effectRef idx="0">
+        <a:scrgbClr r="0" g="0" b="0"/>
+      </a:effectRef>
+      <a:fontRef idx="minor"/>
+    </dgm:style>
+  </dgm:styleLbl>
+  <dgm:styleLbl name="alignImgPlace1">
+    <dgm:scene3d>
+      <a:camera prst="orthographicFront"/>
+      <a:lightRig rig="threePt" dir="t"/>
+    </dgm:scene3d>
+    <dgm:sp3d/>
+    <dgm:txPr/>
+    <dgm:style>
+      <a:lnRef idx="2">
+        <a:scrgbClr r="0" g="0" b="0"/>
+      </a:lnRef>
+      <a:fillRef idx="1">
+        <a:scrgbClr r="0" g="0" b="0"/>
+      </a:fillRef>
+      <a:effectRef idx="0">
+        <a:scrgbClr r="0" g="0" b="0"/>
+      </a:effectRef>
+      <a:fontRef idx="minor"/>
+    </dgm:style>
+  </dgm:styleLbl>
+  <dgm:styleLbl name="bgImgPlace1">
+    <dgm:scene3d>
+      <a:camera prst="orthographicFront"/>
+      <a:lightRig rig="threePt" dir="t"/>
+    </dgm:scene3d>
+    <dgm:sp3d/>
+    <dgm:txPr/>
+    <dgm:style>
+      <a:lnRef idx="2">
+        <a:scrgbClr r="0" g="0" b="0"/>
+      </a:lnRef>
+      <a:fillRef idx="1">
+        <a:scrgbClr r="0" g="0" b="0"/>
+      </a:fillRef>
+      <a:effectRef idx="0">
+        <a:scrgbClr r="0" g="0" b="0"/>
+      </a:effectRef>
+      <a:fontRef idx="minor"/>
+    </dgm:style>
+  </dgm:styleLbl>
+  <dgm:styleLbl name="sibTrans2D1">
+    <dgm:scene3d>
+      <a:camera prst="orthographicFront"/>
+      <a:lightRig rig="threePt" dir="t"/>
+    </dgm:scene3d>
+    <dgm:sp3d/>
+    <dgm:txPr/>
+    <dgm:style>
+      <a:lnRef idx="0">
+        <a:scrgbClr r="0" g="0" b="0"/>
+      </a:lnRef>
+      <a:fillRef idx="1">
+        <a:scrgbClr r="0" g="0" b="0"/>
+      </a:fillRef>
+      <a:effectRef idx="0">
+        <a:scrgbClr r="0" g="0" b="0"/>
+      </a:effectRef>
+      <a:fontRef idx="minor">
+        <a:schemeClr val="lt1"/>
+      </a:fontRef>
+    </dgm:style>
+  </dgm:styleLbl>
+  <dgm:styleLbl name="fgSibTrans2D1">
+    <dgm:scene3d>
+      <a:camera prst="orthographicFront"/>
+      <a:lightRig rig="threePt" dir="t"/>
+    </dgm:scene3d>
+    <dgm:sp3d/>
+    <dgm:txPr/>
+    <dgm:style>
+      <a:lnRef idx="0">
+        <a:scrgbClr r="0" g="0" b="0"/>
+      </a:lnRef>
+      <a:fillRef idx="1">
+        <a:scrgbClr r="0" g="0" b="0"/>
+      </a:fillRef>
+      <a:effectRef idx="0">
+        <a:scrgbClr r="0" g="0" b="0"/>
+      </a:effectRef>
+      <a:fontRef idx="minor">
+        <a:schemeClr val="lt1"/>
+      </a:fontRef>
+    </dgm:style>
+  </dgm:styleLbl>
+  <dgm:styleLbl name="bgSibTrans2D1">
+    <dgm:scene3d>
+      <a:camera prst="orthographicFront"/>
+      <a:lightRig rig="threePt" dir="t"/>
+    </dgm:scene3d>
+    <dgm:sp3d/>
+    <dgm:txPr/>
+    <dgm:style>
+      <a:lnRef idx="0">
+        <a:scrgbClr r="0" g="0" b="0"/>
+      </a:lnRef>
+      <a:fillRef idx="1">
+        <a:scrgbClr r="0" g="0" b="0"/>
+      </a:fillRef>
+      <a:effectRef idx="0">
+        <a:scrgbClr r="0" g="0" b="0"/>
+      </a:effectRef>
+      <a:fontRef idx="minor">
+        <a:schemeClr val="lt1"/>
+      </a:fontRef>
+    </dgm:style>
+  </dgm:styleLbl>
+  <dgm:styleLbl name="sibTrans1D1">
+    <dgm:scene3d>
+      <a:camera prst="orthographicFront"/>
+      <a:lightRig rig="threePt" dir="t"/>
+    </dgm:scene3d>
+    <dgm:sp3d/>
+    <dgm:txPr/>
+    <dgm:style>
+      <a:lnRef idx="1">
+        <a:scrgbClr r="0" g="0" b="0"/>
+      </a:lnRef>
+      <a:fillRef idx="0">
+        <a:scrgbClr r="0" g="0" b="0"/>
+      </a:fillRef>
+      <a:effectRef idx="0">
+        <a:scrgbClr r="0" g="0" b="0"/>
+      </a:effectRef>
+      <a:fontRef idx="minor"/>
+    </dgm:style>
+  </dgm:styleLbl>
+  <dgm:styleLbl name="callout">
+    <dgm:scene3d>
+      <a:camera prst="orthographicFront"/>
+      <a:lightRig rig="threePt" dir="t"/>
+    </dgm:scene3d>
+    <dgm:sp3d/>
+    <dgm:txPr/>
+    <dgm:style>
+      <a:lnRef idx="2">
+        <a:scrgbClr r="0" g="0" b="0"/>
+      </a:lnRef>
+      <a:fillRef idx="1">
+        <a:scrgbClr r="0" g="0" b="0"/>
+      </a:fillRef>
+      <a:effectRef idx="0">
+        <a:scrgbClr r="0" g="0" b="0"/>
+      </a:effectRef>
+      <a:fontRef idx="minor"/>
+    </dgm:style>
+  </dgm:styleLbl>
+  <dgm:styleLbl name="asst0">
+    <dgm:scene3d>
+      <a:camera prst="orthographicFront"/>
+      <a:lightRig rig="threePt" dir="t"/>
+    </dgm:scene3d>
+    <dgm:sp3d/>
+    <dgm:txPr/>
+    <dgm:style>
+      <a:lnRef idx="2">
+        <a:scrgbClr r="0" g="0" b="0"/>
+      </a:lnRef>
+      <a:fillRef idx="1">
+        <a:scrgbClr r="0" g="0" b="0"/>
+      </a:fillRef>
+      <a:effectRef idx="0">
+        <a:scrgbClr r="0" g="0" b="0"/>
+      </a:effectRef>
+      <a:fontRef idx="minor">
+        <a:schemeClr val="lt1"/>
+      </a:fontRef>
+    </dgm:style>
+  </dgm:styleLbl>
+  <dgm:styleLbl name="asst1">
+    <dgm:scene3d>
+      <a:camera prst="orthographicFront"/>
+      <a:lightRig rig="threePt" dir="t"/>
+    </dgm:scene3d>
+    <dgm:sp3d/>
+    <dgm:txPr/>
+    <dgm:style>
+      <a:lnRef idx="2">
+        <a:scrgbClr r="0" g="0" b="0"/>
+      </a:lnRef>
+      <a:fillRef idx="1">
+        <a:scrgbClr r="0" g="0" b="0"/>
+      </a:fillRef>
+      <a:effectRef idx="0">
+        <a:scrgbClr r="0" g="0" b="0"/>
+      </a:effectRef>
+      <a:fontRef idx="minor">
+        <a:schemeClr val="lt1"/>
+      </a:fontRef>
+    </dgm:style>
+  </dgm:styleLbl>
+  <dgm:styleLbl name="asst2">
+    <dgm:scene3d>
+      <a:camera prst="orthographicFront"/>
+      <a:lightRig rig="threePt" dir="t"/>
+    </dgm:scene3d>
+    <dgm:sp3d/>
+    <dgm:txPr/>
+    <dgm:style>
+      <a:lnRef idx="2">
+        <a:scrgbClr r="0" g="0" b="0"/>
+      </a:lnRef>
+      <a:fillRef idx="1">
+        <a:scrgbClr r="0" g="0" b="0"/>
+      </a:fillRef>
+      <a:effectRef idx="0">
+        <a:scrgbClr r="0" g="0" b="0"/>
+      </a:effectRef>
+      <a:fontRef idx="minor">
+        <a:schemeClr val="lt1"/>
+      </a:fontRef>
+    </dgm:style>
+  </dgm:styleLbl>
+  <dgm:styleLbl name="asst3">
+    <dgm:scene3d>
+      <a:camera prst="orthographicFront"/>
+      <a:lightRig rig="threePt" dir="t"/>
+    </dgm:scene3d>
+    <dgm:sp3d/>
+    <dgm:txPr/>
+    <dgm:style>
+      <a:lnRef idx="2">
+        <a:scrgbClr r="0" g="0" b="0"/>
+      </a:lnRef>
+      <a:fillRef idx="1">
+        <a:scrgbClr r="0" g="0" b="0"/>
+      </a:fillRef>
+      <a:effectRef idx="0">
+        <a:scrgbClr r="0" g="0" b="0"/>
+      </a:effectRef>
+      <a:fontRef idx="minor">
+        <a:schemeClr val="lt1"/>
+      </a:fontRef>
+    </dgm:style>
+  </dgm:styleLbl>
+  <dgm:styleLbl name="asst4">
+    <dgm:scene3d>
+      <a:camera prst="orthographicFront"/>
+      <a:lightRig rig="threePt" dir="t"/>
+    </dgm:scene3d>
+    <dgm:sp3d/>
+    <dgm:txPr/>
+    <dgm:style>
+      <a:lnRef idx="2">
+        <a:scrgbClr r="0" g="0" b="0"/>
+      </a:lnRef>
+      <a:fillRef idx="1">
+        <a:scrgbClr r="0" g="0" b="0"/>
+      </a:fillRef>
+      <a:effectRef idx="0">
+        <a:scrgbClr r="0" g="0" b="0"/>
+      </a:effectRef>
+      <a:fontRef idx="minor">
+        <a:schemeClr val="lt1"/>
+      </a:fontRef>
+    </dgm:style>
+  </dgm:styleLbl>
+  <dgm:styleLbl name="parChTrans2D1">
+    <dgm:scene3d>
+      <a:camera prst="orthographicFront"/>
+      <a:lightRig rig="threePt" dir="t"/>
+    </dgm:scene3d>
+    <dgm:sp3d/>
+    <dgm:txPr/>
+    <dgm:style>
+      <a:lnRef idx="2">
+        <a:scrgbClr r="0" g="0" b="0"/>
+      </a:lnRef>
+      <a:fillRef idx="1">
+        <a:scrgbClr r="0" g="0" b="0"/>
+      </a:fillRef>
+      <a:effectRef idx="0">
+        <a:scrgbClr r="0" g="0" b="0"/>
+      </a:effectRef>
+      <a:fontRef idx="minor">
+        <a:schemeClr val="lt1"/>
+      </a:fontRef>
+    </dgm:style>
+  </dgm:styleLbl>
+  <dgm:styleLbl name="parChTrans2D2">
+    <dgm:scene3d>
+      <a:camera prst="orthographicFront"/>
+      <a:lightRig rig="threePt" dir="t"/>
+    </dgm:scene3d>
+    <dgm:sp3d/>
+    <dgm:txPr/>
+    <dgm:style>
+      <a:lnRef idx="2">
+        <a:scrgbClr r="0" g="0" b="0"/>
+      </a:lnRef>
+      <a:fillRef idx="1">
+        <a:scrgbClr r="0" g="0" b="0"/>
+      </a:fillRef>
+      <a:effectRef idx="0">
+        <a:scrgbClr r="0" g="0" b="0"/>
+      </a:effectRef>
+      <a:fontRef idx="minor">
+        <a:schemeClr val="lt1"/>
+      </a:fontRef>
+    </dgm:style>
+  </dgm:styleLbl>
+  <dgm:styleLbl name="parChTrans2D3">
+    <dgm:scene3d>
+      <a:camera prst="orthographicFront"/>
+      <a:lightRig rig="threePt" dir="t"/>
+    </dgm:scene3d>
+    <dgm:sp3d/>
+    <dgm:txPr/>
+    <dgm:style>
+      <a:lnRef idx="2">
+        <a:scrgbClr r="0" g="0" b="0"/>
+      </a:lnRef>
+      <a:fillRef idx="1">
+        <a:scrgbClr r="0" g="0" b="0"/>
+      </a:fillRef>
+      <a:effectRef idx="0">
+        <a:scrgbClr r="0" g="0" b="0"/>
+      </a:effectRef>
+      <a:fontRef idx="minor">
+        <a:schemeClr val="lt1"/>
+      </a:fontRef>
+    </dgm:style>
+  </dgm:styleLbl>
+  <dgm:styleLbl name="parChTrans2D4">
+    <dgm:scene3d>
+      <a:camera prst="orthographicFront"/>
+      <a:lightRig rig="threePt" dir="t"/>
+    </dgm:scene3d>
+    <dgm:sp3d/>
+    <dgm:txPr/>
+    <dgm:style>
+      <a:lnRef idx="2">
+        <a:scrgbClr r="0" g="0" b="0"/>
+      </a:lnRef>
+      <a:fillRef idx="1">
+        <a:scrgbClr r="0" g="0" b="0"/>
+      </a:fillRef>
+      <a:effectRef idx="0">
+        <a:scrgbClr r="0" g="0" b="0"/>
+      </a:effectRef>
+      <a:fontRef idx="minor">
+        <a:schemeClr val="lt1"/>
+      </a:fontRef>
+    </dgm:style>
+  </dgm:styleLbl>
+  <dgm:styleLbl name="parChTrans1D1">
+    <dgm:scene3d>
+      <a:camera prst="orthographicFront"/>
+      <a:lightRig rig="threePt" dir="t"/>
+    </dgm:scene3d>
+    <dgm:sp3d/>
+    <dgm:txPr/>
+    <dgm:style>
+      <a:lnRef idx="2">
+        <a:scrgbClr r="0" g="0" b="0"/>
+      </a:lnRef>
+      <a:fillRef idx="0">
+        <a:scrgbClr r="0" g="0" b="0"/>
+      </a:fillRef>
+      <a:effectRef idx="0">
+        <a:scrgbClr r="0" g="0" b="0"/>
+      </a:effectRef>
+      <a:fontRef idx="minor"/>
+    </dgm:style>
+  </dgm:styleLbl>
+  <dgm:styleLbl name="parChTrans1D2">
+    <dgm:scene3d>
+      <a:camera prst="orthographicFront"/>
+      <a:lightRig rig="threePt" dir="t"/>
+    </dgm:scene3d>
+    <dgm:sp3d/>
+    <dgm:txPr/>
+    <dgm:style>
+      <a:lnRef idx="2">
+        <a:scrgbClr r="0" g="0" b="0"/>
+      </a:lnRef>
+      <a:fillRef idx="0">
+        <a:scrgbClr r="0" g="0" b="0"/>
+      </a:fillRef>
+      <a:effectRef idx="0">
+        <a:scrgbClr r="0" g="0" b="0"/>
+      </a:effectRef>
+      <a:fontRef idx="minor"/>
+    </dgm:style>
+  </dgm:styleLbl>
+  <dgm:styleLbl name="parChTrans1D3">
+    <dgm:scene3d>
+      <a:camera prst="orthographicFront"/>
+      <a:lightRig rig="threePt" dir="t"/>
+    </dgm:scene3d>
+    <dgm:sp3d/>
+    <dgm:txPr/>
+    <dgm:style>
+      <a:lnRef idx="2">
+        <a:scrgbClr r="0" g="0" b="0"/>
+      </a:lnRef>
+      <a:fillRef idx="0">
+        <a:scrgbClr r="0" g="0" b="0"/>
+      </a:fillRef>
+      <a:effectRef idx="0">
+        <a:scrgbClr r="0" g="0" b="0"/>
+      </a:effectRef>
+      <a:fontRef idx="minor"/>
+    </dgm:style>
+  </dgm:styleLbl>
+  <dgm:styleLbl name="parChTrans1D4">
+    <dgm:scene3d>
+      <a:camera prst="orthographicFront"/>
+      <a:lightRig rig="threePt" dir="t"/>
+    </dgm:scene3d>
+    <dgm:sp3d/>
+    <dgm:txPr/>
+    <dgm:style>
+      <a:lnRef idx="2">
+        <a:scrgbClr r="0" g="0" b="0"/>
+      </a:lnRef>
+      <a:fillRef idx="0">
+        <a:scrgbClr r="0" g="0" b="0"/>
+      </a:fillRef>
+      <a:effectRef idx="0">
+        <a:scrgbClr r="0" g="0" b="0"/>
+      </a:effectRef>
+      <a:fontRef idx="minor"/>
+    </dgm:style>
+  </dgm:styleLbl>
+  <dgm:styleLbl name="fgAcc1">
+    <dgm:scene3d>
+      <a:camera prst="orthographicFront"/>
+      <a:lightRig rig="threePt" dir="t"/>
+    </dgm:scene3d>
+    <dgm:sp3d/>
+    <dgm:txPr/>
+    <dgm:style>
+      <a:lnRef idx="2">
+        <a:scrgbClr r="0" g="0" b="0"/>
+      </a:lnRef>
+      <a:fillRef idx="1">
+        <a:scrgbClr r="0" g="0" b="0"/>
+      </a:fillRef>
+      <a:effectRef idx="0">
+        <a:scrgbClr r="0" g="0" b="0"/>
+      </a:effectRef>
+      <a:fontRef idx="minor"/>
+    </dgm:style>
+  </dgm:styleLbl>
+  <dgm:styleLbl name="conFgAcc1">
+    <dgm:scene3d>
+      <a:camera prst="orthographicFront"/>
+      <a:lightRig rig="threePt" dir="t"/>
+    </dgm:scene3d>
+    <dgm:sp3d/>
+    <dgm:txPr/>
+    <dgm:style>
+      <a:lnRef idx="2">
+        <a:scrgbClr r="0" g="0" b="0"/>
+      </a:lnRef>
+      <a:fillRef idx="1">
+        <a:scrgbClr r="0" g="0" b="0"/>
+      </a:fillRef>
+      <a:effectRef idx="0">
+        <a:scrgbClr r="0" g="0" b="0"/>
+      </a:effectRef>
+      <a:fontRef idx="minor"/>
+    </dgm:style>
+  </dgm:styleLbl>
+  <dgm:styleLbl name="alignAcc1">
+    <dgm:scene3d>
+      <a:camera prst="orthographicFront"/>
+      <a:lightRig rig="threePt" dir="t"/>
+    </dgm:scene3d>
+    <dgm:sp3d/>
+    <dgm:txPr/>
+    <dgm:style>
+      <a:lnRef idx="2">
+        <a:scrgbClr r="0" g="0" b="0"/>
+      </a:lnRef>
+      <a:fillRef idx="1">
+        <a:scrgbClr r="0" g="0" b="0"/>
+      </a:fillRef>
+      <a:effectRef idx="0">
+        <a:scrgbClr r="0" g="0" b="0"/>
+      </a:effectRef>
+      <a:fontRef idx="minor"/>
+    </dgm:style>
+  </dgm:styleLbl>
+  <dgm:styleLbl name="trAlignAcc1">
+    <dgm:scene3d>
+      <a:camera prst="orthographicFront"/>
+      <a:lightRig rig="threePt" dir="t"/>
+    </dgm:scene3d>
+    <dgm:sp3d/>
+    <dgm:txPr/>
+    <dgm:style>
+      <a:lnRef idx="1">
+        <a:scrgbClr r="0" g="0" b="0"/>
+      </a:lnRef>
+      <a:fillRef idx="1">
+        <a:scrgbClr r="0" g="0" b="0"/>
+      </a:fillRef>
+      <a:effectRef idx="0">
+        <a:scrgbClr r="0" g="0" b="0"/>
+      </a:effectRef>
+      <a:fontRef idx="minor"/>
+    </dgm:style>
+  </dgm:styleLbl>
+  <dgm:styleLbl name="bgAcc1">
+    <dgm:scene3d>
+      <a:camera prst="orthographicFront"/>
+      <a:lightRig rig="threePt" dir="t"/>
+    </dgm:scene3d>
+    <dgm:sp3d/>
+    <dgm:txPr/>
+    <dgm:style>
+      <a:lnRef idx="2">
+        <a:scrgbClr r="0" g="0" b="0"/>
+      </a:lnRef>
+      <a:fillRef idx="1">
+        <a:scrgbClr r="0" g="0" b="0"/>
+      </a:fillRef>
+      <a:effectRef idx="0">
+        <a:scrgbClr r="0" g="0" b="0"/>
+      </a:effectRef>
+      <a:fontRef idx="minor"/>
+    </dgm:style>
+  </dgm:styleLbl>
+  <dgm:styleLbl name="solidFgAcc1">
+    <dgm:scene3d>
+      <a:camera prst="orthographicFront"/>
+      <a:lightRig rig="threePt" dir="t"/>
+    </dgm:scene3d>
+    <dgm:sp3d/>
+    <dgm:txPr/>
+    <dgm:style>
+      <a:lnRef idx="2">
+        <a:scrgbClr r="0" g="0" b="0"/>
+      </a:lnRef>
+      <a:fillRef idx="1">
+        <a:scrgbClr r="0" g="0" b="0"/>
+      </a:fillRef>
+      <a:effectRef idx="0">
+        <a:scrgbClr r="0" g="0" b="0"/>
+      </a:effectRef>
+      <a:fontRef idx="minor"/>
+    </dgm:style>
+  </dgm:styleLbl>
+  <dgm:styleLbl name="solidAlignAcc1">
+    <dgm:scene3d>
+      <a:camera prst="orthographicFront"/>
+      <a:lightRig rig="threePt" dir="t"/>
+    </dgm:scene3d>
+    <dgm:sp3d/>
+    <dgm:txPr/>
+    <dgm:style>
+      <a:lnRef idx="2">
+        <a:scrgbClr r="0" g="0" b="0"/>
+      </a:lnRef>
+      <a:fillRef idx="1">
+        <a:scrgbClr r="0" g="0" b="0"/>
+      </a:fillRef>
+      <a:effectRef idx="0">
+        <a:scrgbClr r="0" g="0" b="0"/>
+      </a:effectRef>
+      <a:fontRef idx="minor"/>
+    </dgm:style>
+  </dgm:styleLbl>
+  <dgm:styleLbl name="solidBgAcc1">
+    <dgm:scene3d>
+      <a:camera prst="orthographicFront"/>
+      <a:lightRig rig="threePt" dir="t"/>
+    </dgm:scene3d>
+    <dgm:sp3d/>
+    <dgm:txPr/>
+    <dgm:style>
+      <a:lnRef idx="2">
+        <a:scrgbClr r="0" g="0" b="0"/>
+      </a:lnRef>
+      <a:fillRef idx="1">
+        <a:scrgbClr r="0" g="0" b="0"/>
+      </a:fillRef>
+      <a:effectRef idx="0">
+        <a:scrgbClr r="0" g="0" b="0"/>
+      </a:effectRef>
+      <a:fontRef idx="minor"/>
+    </dgm:style>
+  </dgm:styleLbl>
+  <dgm:styleLbl name="fgAccFollowNode1">
+    <dgm:scene3d>
+      <a:camera prst="orthographicFront"/>
+      <a:lightRig rig="threePt" dir="t"/>
+    </dgm:scene3d>
+    <dgm:sp3d/>
+    <dgm:txPr/>
+    <dgm:style>
+      <a:lnRef idx="2">
+        <a:scrgbClr r="0" g="0" b="0"/>
+      </a:lnRef>
+      <a:fillRef idx="1">
+        <a:scrgbClr r="0" g="0" b="0"/>
+      </a:fillRef>
+      <a:effectRef idx="0">
+        <a:scrgbClr r="0" g="0" b="0"/>
+      </a:effectRef>
+      <a:fontRef idx="minor"/>
+    </dgm:style>
+  </dgm:styleLbl>
+  <dgm:styleLbl name="alignAccFollowNode1">
+    <dgm:scene3d>
+      <a:camera prst="orthographicFront"/>
+      <a:lightRig rig="threePt" dir="t"/>
+    </dgm:scene3d>
+    <dgm:sp3d/>
+    <dgm:txPr/>
+    <dgm:style>
+      <a:lnRef idx="2">
+        <a:scrgbClr r="0" g="0" b="0"/>
+      </a:lnRef>
+      <a:fillRef idx="1">
+        <a:scrgbClr r="0" g="0" b="0"/>
+      </a:fillRef>
+      <a:effectRef idx="0">
+        <a:scrgbClr r="0" g="0" b="0"/>
+      </a:effectRef>
+      <a:fontRef idx="minor"/>
+    </dgm:style>
+  </dgm:styleLbl>
+  <dgm:styleLbl name="bgAccFollowNode1">
+    <dgm:scene3d>
+      <a:camera prst="orthographicFront"/>
+      <a:lightRig rig="threePt" dir="t"/>
+    </dgm:scene3d>
+    <dgm:sp3d/>
+    <dgm:txPr/>
+    <dgm:style>
+      <a:lnRef idx="2">
+        <a:scrgbClr r="0" g="0" b="0"/>
+      </a:lnRef>
+      <a:fillRef idx="1">
+        <a:scrgbClr r="0" g="0" b="0"/>
+      </a:fillRef>
+      <a:effectRef idx="0">
+        <a:scrgbClr r="0" g="0" b="0"/>
+      </a:effectRef>
+      <a:fontRef idx="minor"/>
+    </dgm:style>
+  </dgm:styleLbl>
+  <dgm:styleLbl name="fgAcc0">
+    <dgm:scene3d>
+      <a:camera prst="orthographicFront"/>
+      <a:lightRig rig="threePt" dir="t"/>
+    </dgm:scene3d>
+    <dgm:sp3d/>
+    <dgm:txPr/>
+    <dgm:style>
+      <a:lnRef idx="2">
+        <a:scrgbClr r="0" g="0" b="0"/>
+      </a:lnRef>
+      <a:fillRef idx="1">
+        <a:scrgbClr r="0" g="0" b="0"/>
+      </a:fillRef>
+      <a:effectRef idx="0">
+        <a:scrgbClr r="0" g="0" b="0"/>
+      </a:effectRef>
+      <a:fontRef idx="minor"/>
+    </dgm:style>
+  </dgm:styleLbl>
+  <dgm:styleLbl name="fgAcc2">
+    <dgm:scene3d>
+      <a:camera prst="orthographicFront"/>
+      <a:lightRig rig="threePt" dir="t"/>
+    </dgm:scene3d>
+    <dgm:sp3d/>
+    <dgm:txPr/>
+    <dgm:style>
+      <a:lnRef idx="2">
+        <a:scrgbClr r="0" g="0" b="0"/>
+      </a:lnRef>
+      <a:fillRef idx="1">
+        <a:scrgbClr r="0" g="0" b="0"/>
+      </a:fillRef>
+      <a:effectRef idx="0">
+        <a:scrgbClr r="0" g="0" b="0"/>
+      </a:effectRef>
+      <a:fontRef idx="minor"/>
+    </dgm:style>
+  </dgm:styleLbl>
+  <dgm:styleLbl name="fgAcc3">
+    <dgm:scene3d>
+      <a:camera prst="orthographicFront"/>
+      <a:lightRig rig="threePt" dir="t"/>
+    </dgm:scene3d>
+    <dgm:sp3d/>
+    <dgm:txPr/>
+    <dgm:style>
+      <a:lnRef idx="2">
+        <a:scrgbClr r="0" g="0" b="0"/>
+      </a:lnRef>
+      <a:fillRef idx="1">
+        <a:scrgbClr r="0" g="0" b="0"/>
+      </a:fillRef>
+      <a:effectRef idx="0">
+        <a:scrgbClr r="0" g="0" b="0"/>
+      </a:effectRef>
+      <a:fontRef idx="minor"/>
+    </dgm:style>
+  </dgm:styleLbl>
+  <dgm:styleLbl name="fgAcc4">
+    <dgm:scene3d>
+      <a:camera prst="orthographicFront"/>
+      <a:lightRig rig="threePt" dir="t"/>
+    </dgm:scene3d>
+    <dgm:sp3d/>
+    <dgm:txPr/>
+    <dgm:style>
+      <a:lnRef idx="2">
+        <a:scrgbClr r="0" g="0" b="0"/>
+      </a:lnRef>
+      <a:fillRef idx="1">
+        <a:scrgbClr r="0" g="0" b="0"/>
+      </a:fillRef>
+      <a:effectRef idx="0">
+        <a:scrgbClr r="0" g="0" b="0"/>
+      </a:effectRef>
+      <a:fontRef idx="minor"/>
+    </dgm:style>
+  </dgm:styleLbl>
+  <dgm:styleLbl name="bgShp">
+    <dgm:scene3d>
+      <a:camera prst="orthographicFront"/>
+      <a:lightRig rig="threePt" dir="t"/>
+    </dgm:scene3d>
+    <dgm:sp3d/>
+    <dgm:txPr/>
+    <dgm:style>
+      <a:lnRef idx="0">
+        <a:scrgbClr r="0" g="0" b="0"/>
+      </a:lnRef>
+      <a:fillRef idx="1">
+        <a:scrgbClr r="0" g="0" b="0"/>
+      </a:fillRef>
+      <a:effectRef idx="0">
+        <a:scrgbClr r="0" g="0" b="0"/>
+      </a:effectRef>
+      <a:fontRef idx="minor"/>
+    </dgm:style>
+  </dgm:styleLbl>
+  <dgm:styleLbl name="dkBgShp">
+    <dgm:scene3d>
+      <a:camera prst="orthographicFront"/>
+      <a:lightRig rig="threePt" dir="t"/>
+    </dgm:scene3d>
+    <dgm:sp3d/>
+    <dgm:txPr/>
+    <dgm:style>
+      <a:lnRef idx="0">
+        <a:scrgbClr r="0" g="0" b="0"/>
+      </a:lnRef>
+      <a:fillRef idx="1">
+        <a:scrgbClr r="0" g="0" b="0"/>
+      </a:fillRef>
+      <a:effectRef idx="0">
+        <a:scrgbClr r="0" g="0" b="0"/>
+      </a:effectRef>
+      <a:fontRef idx="minor"/>
+    </dgm:style>
+  </dgm:styleLbl>
+  <dgm:styleLbl name="trBgShp">
+    <dgm:scene3d>
+      <a:camera prst="orthographicFront"/>
+      <a:lightRig rig="threePt" dir="t"/>
+    </dgm:scene3d>
+    <dgm:sp3d/>
+    <dgm:txPr/>
+    <dgm:style>
+      <a:lnRef idx="0">
+        <a:scrgbClr r="0" g="0" b="0"/>
+      </a:lnRef>
+      <a:fillRef idx="1">
+        <a:scrgbClr r="0" g="0" b="0"/>
+      </a:fillRef>
+      <a:effectRef idx="0">
+        <a:scrgbClr r="0" g="0" b="0"/>
+      </a:effectRef>
+      <a:fontRef idx="minor"/>
+    </dgm:style>
+  </dgm:styleLbl>
+  <dgm:styleLbl name="fgShp">
+    <dgm:scene3d>
+      <a:camera prst="orthographicFront"/>
+      <a:lightRig rig="threePt" dir="t"/>
+    </dgm:scene3d>
+    <dgm:sp3d/>
+    <dgm:txPr/>
+    <dgm:style>
+      <a:lnRef idx="2">
+        <a:scrgbClr r="0" g="0" b="0"/>
+      </a:lnRef>
+      <a:fillRef idx="1">
+        <a:scrgbClr r="0" g="0" b="0"/>
+      </a:fillRef>
+      <a:effectRef idx="0">
+        <a:scrgbClr r="0" g="0" b="0"/>
+      </a:effectRef>
+      <a:fontRef idx="minor"/>
+    </dgm:style>
+  </dgm:styleLbl>
+  <dgm:styleLbl name="revTx">
+    <dgm:scene3d>
+      <a:camera prst="orthographicFront"/>
+      <a:lightRig rig="threePt" dir="t"/>
+    </dgm:scene3d>
+    <dgm:sp3d/>
+    <dgm:txPr/>
+    <dgm:style>
+      <a:lnRef idx="0">
+        <a:scrgbClr r="0" g="0" b="0"/>
+      </a:lnRef>
+      <a:fillRef idx="0">
+        <a:scrgbClr r="0" g="0" b="0"/>
+      </a:fillRef>
+      <a:effectRef idx="0">
+        <a:scrgbClr r="0" g="0" b="0"/>
+      </a:effectRef>
+      <a:fontRef idx="minor"/>
+    </dgm:style>
+  </dgm:styleLbl>
+</dgm:styleDef>
+</file>
+
+<file path=ppt/diagrams/quickStyle10.xml><?xml version="1.0" encoding="utf-8"?>
 <dgm:styleDef xmlns:dgm="http://schemas.openxmlformats.org/drawingml/2006/diagram" xmlns:a="http://schemas.openxmlformats.org/drawingml/2006/main" uniqueId="urn:microsoft.com/office/officeart/2005/8/quickstyle/simple1">
   <dgm:title val=""/>
   <dgm:desc val=""/>
@@ -23896,10 +26131,14 @@
             </a:r>
           </a:p>
           <a:p>
-            <a:pPr lvl="2"/>
+            <a:pPr lvl="1"/>
+            <a:r>
+              <a:rPr lang="en-US" i="1" dirty="0"/>
+              <a:t>getTopAspectWords.py</a:t>
+            </a:r>
             <a:r>
               <a:rPr lang="en-US" dirty="0"/>
-              <a:t>Only takes the processed data file as input</a:t>
+              <a:t>: retrieves the top words of each aspect (based on aspect word distribution)</a:t>
             </a:r>
           </a:p>
         </p:txBody>
@@ -24305,7 +26544,7 @@
               <a:t>Data file should be in the </a:t>
             </a:r>
             <a:r>
-              <a:rPr lang="en-US" i="1"/>
+              <a:rPr lang="en-US" i="1" dirty="0"/>
               <a:t>\data </a:t>
             </a:r>
             <a:r>
@@ -24617,6 +26856,753 @@
     <p:extLst>
       <p:ext uri="{BB962C8B-B14F-4D97-AF65-F5344CB8AC3E}">
         <p14:creationId xmlns:p14="http://schemas.microsoft.com/office/powerpoint/2010/main" val="3798393436"/>
+      </p:ext>
+    </p:extLst>
+  </p:cSld>
+  <p:clrMapOvr>
+    <a:masterClrMapping/>
+  </p:clrMapOvr>
+</p:sld>
+</file>
+
+<file path=ppt/slides/slide12.xml><?xml version="1.0" encoding="utf-8"?>
+<p:sld xmlns:a="http://schemas.openxmlformats.org/drawingml/2006/main" xmlns:r="http://schemas.openxmlformats.org/officeDocument/2006/relationships" xmlns:p="http://schemas.openxmlformats.org/presentationml/2006/main">
+  <p:cSld>
+    <p:spTree>
+      <p:nvGrpSpPr>
+        <p:cNvPr id="1" name=""/>
+        <p:cNvGrpSpPr/>
+        <p:nvPr/>
+      </p:nvGrpSpPr>
+      <p:grpSpPr>
+        <a:xfrm>
+          <a:off x="0" y="0"/>
+          <a:ext cx="0" cy="0"/>
+          <a:chOff x="0" y="0"/>
+          <a:chExt cx="0" cy="0"/>
+        </a:xfrm>
+      </p:grpSpPr>
+      <p:sp>
+        <p:nvSpPr>
+          <p:cNvPr id="3" name="Content Placeholder 2">
+            <a:extLst>
+              <a:ext uri="{FF2B5EF4-FFF2-40B4-BE49-F238E27FC236}">
+                <a16:creationId xmlns:a16="http://schemas.microsoft.com/office/drawing/2014/main" id="{8A6AA8F2-86A2-4F2D-9BE4-BC2D2FDED1D9}"/>
+              </a:ext>
+            </a:extLst>
+          </p:cNvPr>
+          <p:cNvSpPr>
+            <a:spLocks noGrp="1"/>
+          </p:cNvSpPr>
+          <p:nvPr>
+            <p:ph idx="1"/>
+          </p:nvPr>
+        </p:nvSpPr>
+        <p:spPr/>
+        <p:txBody>
+          <a:bodyPr>
+            <a:normAutofit/>
+          </a:bodyPr>
+          <a:lstStyle/>
+          <a:p>
+            <a:r>
+              <a:rPr lang="en-US" i="1" dirty="0"/>
+              <a:t>getTopAspectWords.py</a:t>
+            </a:r>
+          </a:p>
+          <a:p>
+            <a:endParaRPr lang="en-US" i="1" dirty="0"/>
+          </a:p>
+          <a:p>
+            <a:endParaRPr lang="en-US" i="1" dirty="0"/>
+          </a:p>
+          <a:p>
+            <a:endParaRPr lang="en-US" sz="1050" dirty="0"/>
+          </a:p>
+          <a:p>
+            <a:endParaRPr lang="en-US" dirty="0"/>
+          </a:p>
+          <a:p>
+            <a:r>
+              <a:rPr lang="en-US" dirty="0"/>
+              <a:t>Script print array of words to the terminal</a:t>
+            </a:r>
+          </a:p>
+          <a:p>
+            <a:pPr lvl="1"/>
+            <a:r>
+              <a:rPr lang="en-US" dirty="0"/>
+              <a:t>No other outputs or files created</a:t>
+            </a:r>
+          </a:p>
+          <a:p>
+            <a:r>
+              <a:rPr lang="en-US" dirty="0"/>
+              <a:t>Data file should be in the </a:t>
+            </a:r>
+            <a:r>
+              <a:rPr lang="en-US" i="1" dirty="0"/>
+              <a:t>\data </a:t>
+            </a:r>
+            <a:r>
+              <a:rPr lang="en-US" dirty="0"/>
+              <a:t>folder</a:t>
+            </a:r>
+          </a:p>
+          <a:p>
+            <a:r>
+              <a:rPr lang="en-US" dirty="0"/>
+              <a:t>Model file should be in the </a:t>
+            </a:r>
+            <a:r>
+              <a:rPr lang="en-US" i="1" dirty="0"/>
+              <a:t>\models</a:t>
+            </a:r>
+            <a:r>
+              <a:rPr lang="en-US" dirty="0"/>
+              <a:t> folder</a:t>
+            </a:r>
+          </a:p>
+        </p:txBody>
+      </p:sp>
+      <p:pic>
+        <p:nvPicPr>
+          <p:cNvPr id="6" name="Picture 5">
+            <a:extLst>
+              <a:ext uri="{FF2B5EF4-FFF2-40B4-BE49-F238E27FC236}">
+                <a16:creationId xmlns:a16="http://schemas.microsoft.com/office/drawing/2014/main" id="{DA7D568E-A1C9-4E35-96EB-EED086A97EEB}"/>
+              </a:ext>
+            </a:extLst>
+          </p:cNvPr>
+          <p:cNvPicPr>
+            <a:picLocks noChangeAspect="1"/>
+          </p:cNvPicPr>
+          <p:nvPr/>
+        </p:nvPicPr>
+        <p:blipFill>
+          <a:blip r:embed="rId2"/>
+          <a:stretch>
+            <a:fillRect/>
+          </a:stretch>
+        </p:blipFill>
+        <p:spPr>
+          <a:xfrm>
+            <a:off x="1410299" y="2233913"/>
+            <a:ext cx="7173326" cy="1257475"/>
+          </a:xfrm>
+          <a:prstGeom prst="rect">
+            <a:avLst/>
+          </a:prstGeom>
+        </p:spPr>
+      </p:pic>
+      <p:sp>
+        <p:nvSpPr>
+          <p:cNvPr id="2" name="Title 1">
+            <a:extLst>
+              <a:ext uri="{FF2B5EF4-FFF2-40B4-BE49-F238E27FC236}">
+                <a16:creationId xmlns:a16="http://schemas.microsoft.com/office/drawing/2014/main" id="{AF6A398E-4988-439A-93AE-F17579A6AAB5}"/>
+              </a:ext>
+            </a:extLst>
+          </p:cNvPr>
+          <p:cNvSpPr>
+            <a:spLocks noGrp="1"/>
+          </p:cNvSpPr>
+          <p:nvPr>
+            <p:ph type="title"/>
+          </p:nvPr>
+        </p:nvSpPr>
+        <p:spPr/>
+        <p:txBody>
+          <a:bodyPr/>
+          <a:lstStyle/>
+          <a:p>
+            <a:r>
+              <a:rPr lang="en-US" dirty="0"/>
+              <a:t>Analysis</a:t>
+            </a:r>
+          </a:p>
+        </p:txBody>
+      </p:sp>
+      <p:graphicFrame>
+        <p:nvGraphicFramePr>
+          <p:cNvPr id="4" name="Content Placeholder 3">
+            <a:extLst>
+              <a:ext uri="{FF2B5EF4-FFF2-40B4-BE49-F238E27FC236}">
+                <a16:creationId xmlns:a16="http://schemas.microsoft.com/office/drawing/2014/main" id="{412B01CF-9DC3-4E39-BE57-19EFFF2CCC29}"/>
+              </a:ext>
+            </a:extLst>
+          </p:cNvPr>
+          <p:cNvGraphicFramePr>
+            <a:graphicFrameLocks/>
+          </p:cNvGraphicFramePr>
+          <p:nvPr/>
+        </p:nvGraphicFramePr>
+        <p:xfrm>
+          <a:off x="9192360" y="1151733"/>
+          <a:ext cx="2397363" cy="896813"/>
+        </p:xfrm>
+        <a:graphic>
+          <a:graphicData uri="http://schemas.openxmlformats.org/drawingml/2006/diagram">
+            <dgm:relIds xmlns:dgm="http://schemas.openxmlformats.org/drawingml/2006/diagram" xmlns:r="http://schemas.openxmlformats.org/officeDocument/2006/relationships" r:dm="rId3" r:lo="rId4" r:qs="rId5" r:cs="rId6"/>
+          </a:graphicData>
+        </a:graphic>
+      </p:graphicFrame>
+      <p:sp>
+        <p:nvSpPr>
+          <p:cNvPr id="5" name="Flowchart: Predefined Process 4">
+            <a:extLst>
+              <a:ext uri="{FF2B5EF4-FFF2-40B4-BE49-F238E27FC236}">
+                <a16:creationId xmlns:a16="http://schemas.microsoft.com/office/drawing/2014/main" id="{C6426B2E-02D3-4927-802E-E0CED29C1BDC}"/>
+              </a:ext>
+            </a:extLst>
+          </p:cNvPr>
+          <p:cNvSpPr/>
+          <p:nvPr/>
+        </p:nvSpPr>
+        <p:spPr>
+          <a:xfrm>
+            <a:off x="8784661" y="129571"/>
+            <a:ext cx="1538655" cy="562709"/>
+          </a:xfrm>
+          <a:prstGeom prst="flowChartPredefinedProcess">
+            <a:avLst/>
+          </a:prstGeom>
+          <a:solidFill>
+            <a:schemeClr val="bg2"/>
+          </a:solidFill>
+        </p:spPr>
+        <p:style>
+          <a:lnRef idx="2">
+            <a:schemeClr val="accent1">
+              <a:shade val="50000"/>
+            </a:schemeClr>
+          </a:lnRef>
+          <a:fillRef idx="1">
+            <a:schemeClr val="accent1"/>
+          </a:fillRef>
+          <a:effectRef idx="0">
+            <a:schemeClr val="accent1"/>
+          </a:effectRef>
+          <a:fontRef idx="minor">
+            <a:schemeClr val="lt1"/>
+          </a:fontRef>
+        </p:style>
+        <p:txBody>
+          <a:bodyPr rtlCol="0" anchor="ctr"/>
+          <a:lstStyle/>
+          <a:p>
+            <a:pPr algn="ctr"/>
+            <a:r>
+              <a:rPr lang="en-US" dirty="0">
+                <a:solidFill>
+                  <a:schemeClr val="tx1"/>
+                </a:solidFill>
+              </a:rPr>
+              <a:t>Processed File (.</a:t>
+            </a:r>
+            <a:r>
+              <a:rPr lang="en-US" dirty="0" err="1">
+                <a:solidFill>
+                  <a:schemeClr val="tx1"/>
+                </a:solidFill>
+              </a:rPr>
+              <a:t>pkl</a:t>
+            </a:r>
+            <a:r>
+              <a:rPr lang="en-US" dirty="0">
+                <a:solidFill>
+                  <a:schemeClr val="tx1"/>
+                </a:solidFill>
+              </a:rPr>
+              <a:t>)</a:t>
+            </a:r>
+          </a:p>
+        </p:txBody>
+      </p:sp>
+      <p:cxnSp>
+        <p:nvCxnSpPr>
+          <p:cNvPr id="7" name="Straight Arrow Connector 6">
+            <a:extLst>
+              <a:ext uri="{FF2B5EF4-FFF2-40B4-BE49-F238E27FC236}">
+                <a16:creationId xmlns:a16="http://schemas.microsoft.com/office/drawing/2014/main" id="{E0FE2CC3-F2A5-4C91-BEAE-3FCE1F481478}"/>
+              </a:ext>
+            </a:extLst>
+          </p:cNvPr>
+          <p:cNvCxnSpPr>
+            <a:cxnSpLocks/>
+            <a:stCxn id="5" idx="2"/>
+            <a:endCxn id="4" idx="0"/>
+          </p:cNvCxnSpPr>
+          <p:nvPr/>
+        </p:nvCxnSpPr>
+        <p:spPr>
+          <a:xfrm>
+            <a:off x="9553989" y="692280"/>
+            <a:ext cx="837052" cy="459453"/>
+          </a:xfrm>
+          <a:prstGeom prst="straightConnector1">
+            <a:avLst/>
+          </a:prstGeom>
+          <a:ln>
+            <a:tailEnd type="triangle"/>
+          </a:ln>
+        </p:spPr>
+        <p:style>
+          <a:lnRef idx="1">
+            <a:schemeClr val="accent1"/>
+          </a:lnRef>
+          <a:fillRef idx="0">
+            <a:schemeClr val="accent1"/>
+          </a:fillRef>
+          <a:effectRef idx="0">
+            <a:schemeClr val="accent1"/>
+          </a:effectRef>
+          <a:fontRef idx="minor">
+            <a:schemeClr val="tx1"/>
+          </a:fontRef>
+        </p:style>
+      </p:cxnSp>
+      <p:sp>
+        <p:nvSpPr>
+          <p:cNvPr id="10" name="TextBox 9">
+            <a:extLst>
+              <a:ext uri="{FF2B5EF4-FFF2-40B4-BE49-F238E27FC236}">
+                <a16:creationId xmlns:a16="http://schemas.microsoft.com/office/drawing/2014/main" id="{DF45C73C-C8D7-410E-AE14-580383F53759}"/>
+              </a:ext>
+            </a:extLst>
+          </p:cNvPr>
+          <p:cNvSpPr txBox="1"/>
+          <p:nvPr/>
+        </p:nvSpPr>
+        <p:spPr>
+          <a:xfrm>
+            <a:off x="6281338" y="1652232"/>
+            <a:ext cx="2032552" cy="923330"/>
+          </a:xfrm>
+          <a:prstGeom prst="rect">
+            <a:avLst/>
+          </a:prstGeom>
+          <a:solidFill>
+            <a:schemeClr val="bg2"/>
+          </a:solidFill>
+        </p:spPr>
+        <p:txBody>
+          <a:bodyPr wrap="square" rtlCol="0">
+            <a:spAutoFit/>
+          </a:bodyPr>
+          <a:lstStyle/>
+          <a:p>
+            <a:r>
+              <a:rPr lang="en-US" dirty="0"/>
+              <a:t>Provide name of processed data file here</a:t>
+            </a:r>
+          </a:p>
+        </p:txBody>
+      </p:sp>
+      <p:cxnSp>
+        <p:nvCxnSpPr>
+          <p:cNvPr id="11" name="Straight Arrow Connector 10">
+            <a:extLst>
+              <a:ext uri="{FF2B5EF4-FFF2-40B4-BE49-F238E27FC236}">
+                <a16:creationId xmlns:a16="http://schemas.microsoft.com/office/drawing/2014/main" id="{CA35394B-8265-4865-8A7A-51D954387A7C}"/>
+              </a:ext>
+            </a:extLst>
+          </p:cNvPr>
+          <p:cNvCxnSpPr>
+            <a:cxnSpLocks/>
+            <a:stCxn id="10" idx="1"/>
+          </p:cNvCxnSpPr>
+          <p:nvPr/>
+        </p:nvCxnSpPr>
+        <p:spPr>
+          <a:xfrm flipH="1">
+            <a:off x="4378569" y="2113897"/>
+            <a:ext cx="1902769" cy="818097"/>
+          </a:xfrm>
+          <a:prstGeom prst="straightConnector1">
+            <a:avLst/>
+          </a:prstGeom>
+          <a:ln>
+            <a:tailEnd type="triangle"/>
+          </a:ln>
+        </p:spPr>
+        <p:style>
+          <a:lnRef idx="1">
+            <a:schemeClr val="accent1"/>
+          </a:lnRef>
+          <a:fillRef idx="0">
+            <a:schemeClr val="accent1"/>
+          </a:fillRef>
+          <a:effectRef idx="0">
+            <a:schemeClr val="accent1"/>
+          </a:effectRef>
+          <a:fontRef idx="minor">
+            <a:schemeClr val="tx1"/>
+          </a:fontRef>
+        </p:style>
+      </p:cxnSp>
+      <p:cxnSp>
+        <p:nvCxnSpPr>
+          <p:cNvPr id="15" name="Straight Arrow Connector 14">
+            <a:extLst>
+              <a:ext uri="{FF2B5EF4-FFF2-40B4-BE49-F238E27FC236}">
+                <a16:creationId xmlns:a16="http://schemas.microsoft.com/office/drawing/2014/main" id="{1B917474-676B-44CC-9A3C-69E8BD5287D5}"/>
+              </a:ext>
+            </a:extLst>
+          </p:cNvPr>
+          <p:cNvCxnSpPr>
+            <a:cxnSpLocks/>
+            <a:stCxn id="5" idx="1"/>
+            <a:endCxn id="10" idx="0"/>
+          </p:cNvCxnSpPr>
+          <p:nvPr/>
+        </p:nvCxnSpPr>
+        <p:spPr>
+          <a:xfrm flipH="1">
+            <a:off x="7297614" y="410926"/>
+            <a:ext cx="1487047" cy="1241306"/>
+          </a:xfrm>
+          <a:prstGeom prst="straightConnector1">
+            <a:avLst/>
+          </a:prstGeom>
+          <a:ln>
+            <a:headEnd type="triangle" w="med" len="med"/>
+            <a:tailEnd type="triangle" w="med" len="med"/>
+          </a:ln>
+        </p:spPr>
+        <p:style>
+          <a:lnRef idx="1">
+            <a:schemeClr val="accent1"/>
+          </a:lnRef>
+          <a:fillRef idx="0">
+            <a:schemeClr val="accent1"/>
+          </a:fillRef>
+          <a:effectRef idx="0">
+            <a:schemeClr val="accent1"/>
+          </a:effectRef>
+          <a:fontRef idx="minor">
+            <a:schemeClr val="tx1"/>
+          </a:fontRef>
+        </p:style>
+      </p:cxnSp>
+      <p:sp>
+        <p:nvSpPr>
+          <p:cNvPr id="12" name="Flowchart: Predefined Process 11">
+            <a:extLst>
+              <a:ext uri="{FF2B5EF4-FFF2-40B4-BE49-F238E27FC236}">
+                <a16:creationId xmlns:a16="http://schemas.microsoft.com/office/drawing/2014/main" id="{2CA98A12-D8AD-4549-A45A-8F728726ED81}"/>
+              </a:ext>
+            </a:extLst>
+          </p:cNvPr>
+          <p:cNvSpPr/>
+          <p:nvPr/>
+        </p:nvSpPr>
+        <p:spPr>
+          <a:xfrm>
+            <a:off x="10478965" y="134211"/>
+            <a:ext cx="1538655" cy="562710"/>
+          </a:xfrm>
+          <a:prstGeom prst="flowChartPredefinedProcess">
+            <a:avLst/>
+          </a:prstGeom>
+          <a:solidFill>
+            <a:schemeClr val="bg2"/>
+          </a:solidFill>
+        </p:spPr>
+        <p:style>
+          <a:lnRef idx="2">
+            <a:schemeClr val="accent1">
+              <a:shade val="50000"/>
+            </a:schemeClr>
+          </a:lnRef>
+          <a:fillRef idx="1">
+            <a:schemeClr val="accent1"/>
+          </a:fillRef>
+          <a:effectRef idx="0">
+            <a:schemeClr val="accent1"/>
+          </a:effectRef>
+          <a:fontRef idx="minor">
+            <a:schemeClr val="lt1"/>
+          </a:fontRef>
+        </p:style>
+        <p:txBody>
+          <a:bodyPr rtlCol="0" anchor="ctr"/>
+          <a:lstStyle/>
+          <a:p>
+            <a:pPr algn="ctr"/>
+            <a:r>
+              <a:rPr lang="en-US" dirty="0">
+                <a:solidFill>
+                  <a:schemeClr val="tx1"/>
+                </a:solidFill>
+              </a:rPr>
+              <a:t>Model File (.</a:t>
+            </a:r>
+            <a:r>
+              <a:rPr lang="en-US" dirty="0" err="1">
+                <a:solidFill>
+                  <a:schemeClr val="tx1"/>
+                </a:solidFill>
+              </a:rPr>
+              <a:t>pkl</a:t>
+            </a:r>
+            <a:r>
+              <a:rPr lang="en-US" dirty="0">
+                <a:solidFill>
+                  <a:schemeClr val="tx1"/>
+                </a:solidFill>
+              </a:rPr>
+              <a:t>)</a:t>
+            </a:r>
+          </a:p>
+        </p:txBody>
+      </p:sp>
+      <p:cxnSp>
+        <p:nvCxnSpPr>
+          <p:cNvPr id="13" name="Straight Arrow Connector 12">
+            <a:extLst>
+              <a:ext uri="{FF2B5EF4-FFF2-40B4-BE49-F238E27FC236}">
+                <a16:creationId xmlns:a16="http://schemas.microsoft.com/office/drawing/2014/main" id="{6B07AA3B-7167-4C48-BAD4-B4D487F7FA68}"/>
+              </a:ext>
+            </a:extLst>
+          </p:cNvPr>
+          <p:cNvCxnSpPr>
+            <a:cxnSpLocks/>
+            <a:stCxn id="12" idx="2"/>
+          </p:cNvCxnSpPr>
+          <p:nvPr/>
+        </p:nvCxnSpPr>
+        <p:spPr>
+          <a:xfrm flipH="1">
+            <a:off x="10391041" y="696921"/>
+            <a:ext cx="857252" cy="454812"/>
+          </a:xfrm>
+          <a:prstGeom prst="straightConnector1">
+            <a:avLst/>
+          </a:prstGeom>
+          <a:ln>
+            <a:tailEnd type="triangle"/>
+          </a:ln>
+        </p:spPr>
+        <p:style>
+          <a:lnRef idx="1">
+            <a:schemeClr val="accent1"/>
+          </a:lnRef>
+          <a:fillRef idx="0">
+            <a:schemeClr val="accent1"/>
+          </a:fillRef>
+          <a:effectRef idx="0">
+            <a:schemeClr val="accent1"/>
+          </a:effectRef>
+          <a:fontRef idx="minor">
+            <a:schemeClr val="tx1"/>
+          </a:fontRef>
+        </p:style>
+      </p:cxnSp>
+      <p:sp>
+        <p:nvSpPr>
+          <p:cNvPr id="16" name="TextBox 15">
+            <a:extLst>
+              <a:ext uri="{FF2B5EF4-FFF2-40B4-BE49-F238E27FC236}">
+                <a16:creationId xmlns:a16="http://schemas.microsoft.com/office/drawing/2014/main" id="{C5986C3A-8A30-4554-B6A3-8DF1C3937A30}"/>
+              </a:ext>
+            </a:extLst>
+          </p:cNvPr>
+          <p:cNvSpPr txBox="1"/>
+          <p:nvPr/>
+        </p:nvSpPr>
+        <p:spPr>
+          <a:xfrm>
+            <a:off x="7285657" y="3191928"/>
+            <a:ext cx="2032552" cy="923330"/>
+          </a:xfrm>
+          <a:prstGeom prst="rect">
+            <a:avLst/>
+          </a:prstGeom>
+          <a:solidFill>
+            <a:schemeClr val="bg2"/>
+          </a:solidFill>
+        </p:spPr>
+        <p:txBody>
+          <a:bodyPr wrap="square" rtlCol="0">
+            <a:spAutoFit/>
+          </a:bodyPr>
+          <a:lstStyle/>
+          <a:p>
+            <a:r>
+              <a:rPr lang="en-US" dirty="0"/>
+              <a:t>Provide name of output file to be created here</a:t>
+            </a:r>
+          </a:p>
+        </p:txBody>
+      </p:sp>
+      <p:cxnSp>
+        <p:nvCxnSpPr>
+          <p:cNvPr id="18" name="Straight Arrow Connector 17">
+            <a:extLst>
+              <a:ext uri="{FF2B5EF4-FFF2-40B4-BE49-F238E27FC236}">
+                <a16:creationId xmlns:a16="http://schemas.microsoft.com/office/drawing/2014/main" id="{46257F86-F7E9-4FD6-8DA1-49A70DC8ABB5}"/>
+              </a:ext>
+            </a:extLst>
+          </p:cNvPr>
+          <p:cNvCxnSpPr>
+            <a:cxnSpLocks/>
+            <a:stCxn id="16" idx="1"/>
+          </p:cNvCxnSpPr>
+          <p:nvPr/>
+        </p:nvCxnSpPr>
+        <p:spPr>
+          <a:xfrm flipH="1" flipV="1">
+            <a:off x="4378569" y="3097166"/>
+            <a:ext cx="2907088" cy="556427"/>
+          </a:xfrm>
+          <a:prstGeom prst="straightConnector1">
+            <a:avLst/>
+          </a:prstGeom>
+          <a:ln>
+            <a:tailEnd type="triangle"/>
+          </a:ln>
+        </p:spPr>
+        <p:style>
+          <a:lnRef idx="1">
+            <a:schemeClr val="accent1"/>
+          </a:lnRef>
+          <a:fillRef idx="0">
+            <a:schemeClr val="accent1"/>
+          </a:fillRef>
+          <a:effectRef idx="0">
+            <a:schemeClr val="accent1"/>
+          </a:effectRef>
+          <a:fontRef idx="minor">
+            <a:schemeClr val="tx1"/>
+          </a:fontRef>
+        </p:style>
+      </p:cxnSp>
+      <p:cxnSp>
+        <p:nvCxnSpPr>
+          <p:cNvPr id="20" name="Connector: Elbow 19">
+            <a:extLst>
+              <a:ext uri="{FF2B5EF4-FFF2-40B4-BE49-F238E27FC236}">
+                <a16:creationId xmlns:a16="http://schemas.microsoft.com/office/drawing/2014/main" id="{9F7A92B8-4CD9-4286-9EF4-FBF382317D24}"/>
+              </a:ext>
+            </a:extLst>
+          </p:cNvPr>
+          <p:cNvCxnSpPr>
+            <a:stCxn id="16" idx="3"/>
+          </p:cNvCxnSpPr>
+          <p:nvPr/>
+        </p:nvCxnSpPr>
+        <p:spPr>
+          <a:xfrm flipV="1">
+            <a:off x="9318209" y="692280"/>
+            <a:ext cx="2445899" cy="2961313"/>
+          </a:xfrm>
+          <a:prstGeom prst="bentConnector2">
+            <a:avLst/>
+          </a:prstGeom>
+          <a:ln>
+            <a:headEnd type="triangle"/>
+            <a:tailEnd type="triangle"/>
+          </a:ln>
+        </p:spPr>
+        <p:style>
+          <a:lnRef idx="1">
+            <a:schemeClr val="accent1"/>
+          </a:lnRef>
+          <a:fillRef idx="0">
+            <a:schemeClr val="accent1"/>
+          </a:fillRef>
+          <a:effectRef idx="0">
+            <a:schemeClr val="accent1"/>
+          </a:effectRef>
+          <a:fontRef idx="minor">
+            <a:schemeClr val="tx1"/>
+          </a:fontRef>
+        </p:style>
+      </p:cxnSp>
+      <p:sp>
+        <p:nvSpPr>
+          <p:cNvPr id="21" name="TextBox 20">
+            <a:extLst>
+              <a:ext uri="{FF2B5EF4-FFF2-40B4-BE49-F238E27FC236}">
+                <a16:creationId xmlns:a16="http://schemas.microsoft.com/office/drawing/2014/main" id="{094A4E1C-53AF-4D89-BABB-417BC1716EEC}"/>
+              </a:ext>
+            </a:extLst>
+          </p:cNvPr>
+          <p:cNvSpPr txBox="1"/>
+          <p:nvPr/>
+        </p:nvSpPr>
+        <p:spPr>
+          <a:xfrm>
+            <a:off x="3126370" y="3429000"/>
+            <a:ext cx="2527084" cy="646331"/>
+          </a:xfrm>
+          <a:prstGeom prst="rect">
+            <a:avLst/>
+          </a:prstGeom>
+          <a:solidFill>
+            <a:schemeClr val="bg2"/>
+          </a:solidFill>
+        </p:spPr>
+        <p:txBody>
+          <a:bodyPr wrap="square" rtlCol="0">
+            <a:spAutoFit/>
+          </a:bodyPr>
+          <a:lstStyle/>
+          <a:p>
+            <a:r>
+              <a:rPr lang="en-US" dirty="0"/>
+              <a:t>Define number of words per aspect here</a:t>
+            </a:r>
+          </a:p>
+        </p:txBody>
+      </p:sp>
+      <p:cxnSp>
+        <p:nvCxnSpPr>
+          <p:cNvPr id="22" name="Straight Arrow Connector 21">
+            <a:extLst>
+              <a:ext uri="{FF2B5EF4-FFF2-40B4-BE49-F238E27FC236}">
+                <a16:creationId xmlns:a16="http://schemas.microsoft.com/office/drawing/2014/main" id="{54E55669-19E3-452D-9FB2-BCD542E055BC}"/>
+              </a:ext>
+            </a:extLst>
+          </p:cNvPr>
+          <p:cNvCxnSpPr>
+            <a:cxnSpLocks/>
+            <a:stCxn id="21" idx="1"/>
+          </p:cNvCxnSpPr>
+          <p:nvPr/>
+        </p:nvCxnSpPr>
+        <p:spPr>
+          <a:xfrm flipH="1" flipV="1">
+            <a:off x="2470638" y="3314702"/>
+            <a:ext cx="655732" cy="437464"/>
+          </a:xfrm>
+          <a:prstGeom prst="straightConnector1">
+            <a:avLst/>
+          </a:prstGeom>
+          <a:ln>
+            <a:tailEnd type="triangle"/>
+          </a:ln>
+        </p:spPr>
+        <p:style>
+          <a:lnRef idx="1">
+            <a:schemeClr val="accent1"/>
+          </a:lnRef>
+          <a:fillRef idx="0">
+            <a:schemeClr val="accent1"/>
+          </a:fillRef>
+          <a:effectRef idx="0">
+            <a:schemeClr val="accent1"/>
+          </a:effectRef>
+          <a:fontRef idx="minor">
+            <a:schemeClr val="tx1"/>
+          </a:fontRef>
+        </p:style>
+      </p:cxnSp>
+    </p:spTree>
+    <p:extLst>
+      <p:ext uri="{BB962C8B-B14F-4D97-AF65-F5344CB8AC3E}">
+        <p14:creationId xmlns:p14="http://schemas.microsoft.com/office/powerpoint/2010/main" val="2964982664"/>
       </p:ext>
     </p:extLst>
   </p:cSld>
@@ -27568,7 +30554,7 @@
         <p:spPr/>
         <p:txBody>
           <a:bodyPr>
-            <a:normAutofit/>
+            <a:normAutofit fontScale="92500" lnSpcReduction="20000"/>
           </a:bodyPr>
           <a:lstStyle/>
           <a:p>
@@ -27643,6 +30629,52 @@
               <a:rPr lang="en-US" dirty="0"/>
               <a:t>Iterate until convergence</a:t>
             </a:r>
+          </a:p>
+          <a:p>
+            <a:r>
+              <a:rPr lang="en-US" dirty="0"/>
+              <a:t>Input: processed data file (in </a:t>
+            </a:r>
+            <a:r>
+              <a:rPr lang="en-US" i="1" dirty="0"/>
+              <a:t>\data</a:t>
+            </a:r>
+            <a:r>
+              <a:rPr lang="en-US" dirty="0"/>
+              <a:t> folder)</a:t>
+            </a:r>
+          </a:p>
+          <a:p>
+            <a:r>
+              <a:rPr lang="en-US" dirty="0"/>
+              <a:t>Output: model file saved to </a:t>
+            </a:r>
+            <a:r>
+              <a:rPr lang="en-US" i="1" dirty="0"/>
+              <a:t>\models</a:t>
+            </a:r>
+            <a:r>
+              <a:rPr lang="en-US" dirty="0"/>
+              <a:t> folder</a:t>
+            </a:r>
+          </a:p>
+          <a:p>
+            <a:pPr lvl="1"/>
+            <a:r>
+              <a:rPr lang="en-US" dirty="0"/>
+              <a:t>Corpus-level parameters</a:t>
+            </a:r>
+          </a:p>
+          <a:p>
+            <a:pPr lvl="1"/>
+            <a:r>
+              <a:rPr lang="en-US" dirty="0"/>
+              <a:t>Review-level parameters</a:t>
+            </a:r>
+          </a:p>
+          <a:p>
+            <a:pPr lvl="1"/>
+            <a:endParaRPr lang="en-US" dirty="0"/>
           </a:p>
         </p:txBody>
       </p:sp>
@@ -28034,6 +31066,10 @@
               <a:rPr lang="en-US" dirty="0"/>
               <a:t> folder</a:t>
             </a:r>
+          </a:p>
+          <a:p>
+            <a:pPr lvl="1"/>
+            <a:endParaRPr lang="en-US" dirty="0"/>
           </a:p>
         </p:txBody>
       </p:sp>

--- a/CS410_Fall2020_CourseProject_Tutorial.pptx
+++ b/CS410_Fall2020_CourseProject_Tutorial.pptx
@@ -17,6 +17,11 @@
     <p:sldId id="265" r:id="rId11"/>
     <p:sldId id="266" r:id="rId12"/>
     <p:sldId id="267" r:id="rId13"/>
+    <p:sldId id="269" r:id="rId14"/>
+    <p:sldId id="270" r:id="rId15"/>
+    <p:sldId id="271" r:id="rId16"/>
+    <p:sldId id="272" r:id="rId17"/>
+    <p:sldId id="268" r:id="rId18"/>
   </p:sldIdLst>
   <p:sldSz cx="12192000" cy="6858000"/>
   <p:notesSz cx="6858000" cy="9144000"/>
@@ -27612,6 +27617,2151 @@
 </p:sld>
 </file>
 
+<file path=ppt/slides/slide13.xml><?xml version="1.0" encoding="utf-8"?>
+<p:sld xmlns:a="http://schemas.openxmlformats.org/drawingml/2006/main" xmlns:r="http://schemas.openxmlformats.org/officeDocument/2006/relationships" xmlns:p="http://schemas.openxmlformats.org/presentationml/2006/main">
+  <p:cSld>
+    <p:spTree>
+      <p:nvGrpSpPr>
+        <p:cNvPr id="1" name=""/>
+        <p:cNvGrpSpPr/>
+        <p:nvPr/>
+      </p:nvGrpSpPr>
+      <p:grpSpPr>
+        <a:xfrm>
+          <a:off x="0" y="0"/>
+          <a:ext cx="0" cy="0"/>
+          <a:chOff x="0" y="0"/>
+          <a:chExt cx="0" cy="0"/>
+        </a:xfrm>
+      </p:grpSpPr>
+      <p:sp>
+        <p:nvSpPr>
+          <p:cNvPr id="2" name="Title 1">
+            <a:extLst>
+              <a:ext uri="{FF2B5EF4-FFF2-40B4-BE49-F238E27FC236}">
+                <a16:creationId xmlns:a16="http://schemas.microsoft.com/office/drawing/2014/main" id="{65C07A50-43A4-4B14-BB54-B7FC3AEF576B}"/>
+              </a:ext>
+            </a:extLst>
+          </p:cNvPr>
+          <p:cNvSpPr>
+            <a:spLocks noGrp="1"/>
+          </p:cNvSpPr>
+          <p:nvPr>
+            <p:ph type="title"/>
+          </p:nvPr>
+        </p:nvSpPr>
+        <p:spPr/>
+        <p:txBody>
+          <a:bodyPr/>
+          <a:lstStyle/>
+          <a:p>
+            <a:r>
+              <a:rPr lang="en-US" dirty="0"/>
+              <a:t>Some Results – Review Statistics</a:t>
+            </a:r>
+          </a:p>
+        </p:txBody>
+      </p:sp>
+      <p:sp>
+        <p:nvSpPr>
+          <p:cNvPr id="3" name="Content Placeholder 2">
+            <a:extLst>
+              <a:ext uri="{FF2B5EF4-FFF2-40B4-BE49-F238E27FC236}">
+                <a16:creationId xmlns:a16="http://schemas.microsoft.com/office/drawing/2014/main" id="{2D4CF31B-93F5-45AB-9270-9A82AA80EE6C}"/>
+              </a:ext>
+            </a:extLst>
+          </p:cNvPr>
+          <p:cNvSpPr>
+            <a:spLocks noGrp="1"/>
+          </p:cNvSpPr>
+          <p:nvPr>
+            <p:ph idx="1"/>
+          </p:nvPr>
+        </p:nvSpPr>
+        <p:spPr>
+          <a:xfrm>
+            <a:off x="838200" y="3253153"/>
+            <a:ext cx="10515600" cy="2923809"/>
+          </a:xfrm>
+        </p:spPr>
+        <p:txBody>
+          <a:bodyPr>
+            <a:normAutofit/>
+          </a:bodyPr>
+          <a:lstStyle/>
+          <a:p>
+            <a:r>
+              <a:rPr lang="en-US" dirty="0"/>
+              <a:t>Compared to the reported results (see Table 1 in subject report):</a:t>
+            </a:r>
+          </a:p>
+          <a:p>
+            <a:pPr lvl="1"/>
+            <a:r>
+              <a:rPr lang="en-US" dirty="0"/>
+              <a:t>Slightly fewer reviews. For instance, Table 1 reports 2,232 reviewed hotels, but the available dataset only contains files for 1,850 (one is filtered out)</a:t>
+            </a:r>
+          </a:p>
+          <a:p>
+            <a:pPr lvl="1"/>
+            <a:r>
+              <a:rPr lang="en-US" dirty="0"/>
+              <a:t>Higher average review length. This is likely because of the slightly different processing. For instance, here the NLTK </a:t>
+            </a:r>
+            <a:r>
+              <a:rPr lang="en-US" dirty="0" err="1"/>
+              <a:t>stopwords</a:t>
+            </a:r>
+            <a:r>
+              <a:rPr lang="en-US" dirty="0"/>
+              <a:t> were used, which will differ a little from that was used in the paper.</a:t>
+            </a:r>
+          </a:p>
+          <a:p>
+            <a:pPr lvl="1"/>
+            <a:r>
+              <a:rPr lang="en-US" dirty="0"/>
+              <a:t>Ratings statistics are very similar.</a:t>
+            </a:r>
+          </a:p>
+        </p:txBody>
+      </p:sp>
+      <p:graphicFrame>
+        <p:nvGraphicFramePr>
+          <p:cNvPr id="4" name="Table 4">
+            <a:extLst>
+              <a:ext uri="{FF2B5EF4-FFF2-40B4-BE49-F238E27FC236}">
+                <a16:creationId xmlns:a16="http://schemas.microsoft.com/office/drawing/2014/main" id="{6B0DDD4D-98BF-4346-B9ED-C64AA193462C}"/>
+              </a:ext>
+            </a:extLst>
+          </p:cNvPr>
+          <p:cNvGraphicFramePr>
+            <a:graphicFrameLocks noGrp="1"/>
+          </p:cNvGraphicFramePr>
+          <p:nvPr>
+            <p:extLst>
+              <p:ext uri="{D42A27DB-BD31-4B8C-83A1-F6EECF244321}">
+                <p14:modId xmlns:p14="http://schemas.microsoft.com/office/powerpoint/2010/main" val="3026913822"/>
+              </p:ext>
+            </p:extLst>
+          </p:nvPr>
+        </p:nvGraphicFramePr>
+        <p:xfrm>
+          <a:off x="2032000" y="1633713"/>
+          <a:ext cx="8128000" cy="1381760"/>
+        </p:xfrm>
+        <a:graphic>
+          <a:graphicData uri="http://schemas.openxmlformats.org/drawingml/2006/table">
+            <a:tbl>
+              <a:tblPr firstRow="1" bandRow="1">
+                <a:tableStyleId>{5C22544A-7EE6-4342-B048-85BDC9FD1C3A}</a:tableStyleId>
+              </a:tblPr>
+              <a:tblGrid>
+                <a:gridCol w="1625600">
+                  <a:extLst>
+                    <a:ext uri="{9D8B030D-6E8A-4147-A177-3AD203B41FA5}">
+                      <a16:colId xmlns:a16="http://schemas.microsoft.com/office/drawing/2014/main" val="2035210906"/>
+                    </a:ext>
+                  </a:extLst>
+                </a:gridCol>
+                <a:gridCol w="1625600">
+                  <a:extLst>
+                    <a:ext uri="{9D8B030D-6E8A-4147-A177-3AD203B41FA5}">
+                      <a16:colId xmlns:a16="http://schemas.microsoft.com/office/drawing/2014/main" val="266239391"/>
+                    </a:ext>
+                  </a:extLst>
+                </a:gridCol>
+                <a:gridCol w="1625600">
+                  <a:extLst>
+                    <a:ext uri="{9D8B030D-6E8A-4147-A177-3AD203B41FA5}">
+                      <a16:colId xmlns:a16="http://schemas.microsoft.com/office/drawing/2014/main" val="2251792232"/>
+                    </a:ext>
+                  </a:extLst>
+                </a:gridCol>
+                <a:gridCol w="1625600">
+                  <a:extLst>
+                    <a:ext uri="{9D8B030D-6E8A-4147-A177-3AD203B41FA5}">
+                      <a16:colId xmlns:a16="http://schemas.microsoft.com/office/drawing/2014/main" val="1316164271"/>
+                    </a:ext>
+                  </a:extLst>
+                </a:gridCol>
+                <a:gridCol w="1625600">
+                  <a:extLst>
+                    <a:ext uri="{9D8B030D-6E8A-4147-A177-3AD203B41FA5}">
+                      <a16:colId xmlns:a16="http://schemas.microsoft.com/office/drawing/2014/main" val="2193995239"/>
+                    </a:ext>
+                  </a:extLst>
+                </a:gridCol>
+              </a:tblGrid>
+              <a:tr h="370840">
+                <a:tc>
+                  <a:txBody>
+                    <a:bodyPr/>
+                    <a:lstStyle/>
+                    <a:p>
+                      <a:pPr algn="ctr"/>
+                      <a:r>
+                        <a:rPr lang="en-US" dirty="0"/>
+                        <a:t>Dataset</a:t>
+                      </a:r>
+                    </a:p>
+                  </a:txBody>
+                  <a:tcPr anchor="ctr"/>
+                </a:tc>
+                <a:tc>
+                  <a:txBody>
+                    <a:bodyPr/>
+                    <a:lstStyle/>
+                    <a:p>
+                      <a:pPr algn="ctr"/>
+                      <a:r>
+                        <a:rPr lang="en-US" dirty="0"/>
+                        <a:t># Items</a:t>
+                      </a:r>
+                    </a:p>
+                  </a:txBody>
+                  <a:tcPr anchor="ctr"/>
+                </a:tc>
+                <a:tc>
+                  <a:txBody>
+                    <a:bodyPr/>
+                    <a:lstStyle/>
+                    <a:p>
+                      <a:pPr algn="ctr"/>
+                      <a:r>
+                        <a:rPr lang="en-US" dirty="0"/>
+                        <a:t># Reviews</a:t>
+                      </a:r>
+                    </a:p>
+                  </a:txBody>
+                  <a:tcPr anchor="ctr"/>
+                </a:tc>
+                <a:tc>
+                  <a:txBody>
+                    <a:bodyPr/>
+                    <a:lstStyle/>
+                    <a:p>
+                      <a:pPr algn="ctr"/>
+                      <a:r>
+                        <a:rPr lang="en-US" dirty="0"/>
+                        <a:t>Avg Length (std)</a:t>
+                      </a:r>
+                    </a:p>
+                  </a:txBody>
+                  <a:tcPr anchor="ctr"/>
+                </a:tc>
+                <a:tc>
+                  <a:txBody>
+                    <a:bodyPr/>
+                    <a:lstStyle/>
+                    <a:p>
+                      <a:pPr algn="ctr"/>
+                      <a:r>
+                        <a:rPr lang="en-US" dirty="0"/>
+                        <a:t>Avg Rating (std)</a:t>
+                      </a:r>
+                    </a:p>
+                  </a:txBody>
+                  <a:tcPr anchor="ctr"/>
+                </a:tc>
+                <a:extLst>
+                  <a:ext uri="{0D108BD9-81ED-4DB2-BD59-A6C34878D82A}">
+                    <a16:rowId xmlns:a16="http://schemas.microsoft.com/office/drawing/2014/main" val="3679837810"/>
+                  </a:ext>
+                </a:extLst>
+              </a:tr>
+              <a:tr h="370840">
+                <a:tc>
+                  <a:txBody>
+                    <a:bodyPr/>
+                    <a:lstStyle/>
+                    <a:p>
+                      <a:pPr algn="ctr"/>
+                      <a:r>
+                        <a:rPr lang="en-US" dirty="0"/>
+                        <a:t>MP3</a:t>
+                      </a:r>
+                    </a:p>
+                  </a:txBody>
+                  <a:tcPr anchor="ctr"/>
+                </a:tc>
+                <a:tc>
+                  <a:txBody>
+                    <a:bodyPr/>
+                    <a:lstStyle/>
+                    <a:p>
+                      <a:pPr algn="ctr"/>
+                      <a:r>
+                        <a:rPr lang="en-US" dirty="0"/>
+                        <a:t>676</a:t>
+                      </a:r>
+                    </a:p>
+                  </a:txBody>
+                  <a:tcPr anchor="ctr"/>
+                </a:tc>
+                <a:tc>
+                  <a:txBody>
+                    <a:bodyPr/>
+                    <a:lstStyle/>
+                    <a:p>
+                      <a:pPr algn="ctr"/>
+                      <a:r>
+                        <a:rPr lang="en-US" dirty="0"/>
+                        <a:t>16012</a:t>
+                      </a:r>
+                    </a:p>
+                  </a:txBody>
+                  <a:tcPr anchor="ctr"/>
+                </a:tc>
+                <a:tc>
+                  <a:txBody>
+                    <a:bodyPr/>
+                    <a:lstStyle/>
+                    <a:p>
+                      <a:pPr algn="ctr"/>
+                      <a:r>
+                        <a:rPr lang="en-US" dirty="0"/>
+                        <a:t>123.06 (98.00)</a:t>
+                      </a:r>
+                    </a:p>
+                  </a:txBody>
+                  <a:tcPr anchor="ctr"/>
+                </a:tc>
+                <a:tc>
+                  <a:txBody>
+                    <a:bodyPr/>
+                    <a:lstStyle/>
+                    <a:p>
+                      <a:pPr algn="ctr"/>
+                      <a:r>
+                        <a:rPr lang="en-US" dirty="0"/>
+                        <a:t>3.75 (1.42)</a:t>
+                      </a:r>
+                    </a:p>
+                  </a:txBody>
+                  <a:tcPr anchor="ctr"/>
+                </a:tc>
+                <a:extLst>
+                  <a:ext uri="{0D108BD9-81ED-4DB2-BD59-A6C34878D82A}">
+                    <a16:rowId xmlns:a16="http://schemas.microsoft.com/office/drawing/2014/main" val="2057659425"/>
+                  </a:ext>
+                </a:extLst>
+              </a:tr>
+              <a:tr h="370840">
+                <a:tc>
+                  <a:txBody>
+                    <a:bodyPr/>
+                    <a:lstStyle/>
+                    <a:p>
+                      <a:pPr algn="ctr"/>
+                      <a:r>
+                        <a:rPr lang="en-US" dirty="0"/>
+                        <a:t>Hotels</a:t>
+                      </a:r>
+                    </a:p>
+                  </a:txBody>
+                  <a:tcPr anchor="ctr"/>
+                </a:tc>
+                <a:tc>
+                  <a:txBody>
+                    <a:bodyPr/>
+                    <a:lstStyle/>
+                    <a:p>
+                      <a:pPr algn="ctr"/>
+                      <a:r>
+                        <a:rPr lang="en-US" dirty="0"/>
+                        <a:t>1849</a:t>
+                      </a:r>
+                    </a:p>
+                  </a:txBody>
+                  <a:tcPr anchor="ctr"/>
+                </a:tc>
+                <a:tc>
+                  <a:txBody>
+                    <a:bodyPr/>
+                    <a:lstStyle/>
+                    <a:p>
+                      <a:pPr algn="ctr"/>
+                      <a:r>
+                        <a:rPr lang="en-US" dirty="0"/>
+                        <a:t>47750</a:t>
+                      </a:r>
+                    </a:p>
+                  </a:txBody>
+                  <a:tcPr anchor="ctr"/>
+                </a:tc>
+                <a:tc>
+                  <a:txBody>
+                    <a:bodyPr/>
+                    <a:lstStyle/>
+                    <a:p>
+                      <a:pPr algn="ctr"/>
+                      <a:r>
+                        <a:rPr lang="en-US" dirty="0"/>
+                        <a:t>125.73 (99.02)</a:t>
+                      </a:r>
+                    </a:p>
+                  </a:txBody>
+                  <a:tcPr anchor="ctr"/>
+                </a:tc>
+                <a:tc>
+                  <a:txBody>
+                    <a:bodyPr/>
+                    <a:lstStyle/>
+                    <a:p>
+                      <a:pPr algn="ctr"/>
+                      <a:r>
+                        <a:rPr lang="en-US" dirty="0"/>
+                        <a:t>3.96 (1.22)</a:t>
+                      </a:r>
+                    </a:p>
+                  </a:txBody>
+                  <a:tcPr anchor="ctr"/>
+                </a:tc>
+                <a:extLst>
+                  <a:ext uri="{0D108BD9-81ED-4DB2-BD59-A6C34878D82A}">
+                    <a16:rowId xmlns:a16="http://schemas.microsoft.com/office/drawing/2014/main" val="2627477330"/>
+                  </a:ext>
+                </a:extLst>
+              </a:tr>
+            </a:tbl>
+          </a:graphicData>
+        </a:graphic>
+      </p:graphicFrame>
+    </p:spTree>
+    <p:extLst>
+      <p:ext uri="{BB962C8B-B14F-4D97-AF65-F5344CB8AC3E}">
+        <p14:creationId xmlns:p14="http://schemas.microsoft.com/office/powerpoint/2010/main" val="2129302294"/>
+      </p:ext>
+    </p:extLst>
+  </p:cSld>
+  <p:clrMapOvr>
+    <a:masterClrMapping/>
+  </p:clrMapOvr>
+</p:sld>
+</file>
+
+<file path=ppt/slides/slide14.xml><?xml version="1.0" encoding="utf-8"?>
+<p:sld xmlns:a="http://schemas.openxmlformats.org/drawingml/2006/main" xmlns:r="http://schemas.openxmlformats.org/officeDocument/2006/relationships" xmlns:p="http://schemas.openxmlformats.org/presentationml/2006/main">
+  <p:cSld>
+    <p:spTree>
+      <p:nvGrpSpPr>
+        <p:cNvPr id="1" name=""/>
+        <p:cNvGrpSpPr/>
+        <p:nvPr/>
+      </p:nvGrpSpPr>
+      <p:grpSpPr>
+        <a:xfrm>
+          <a:off x="0" y="0"/>
+          <a:ext cx="0" cy="0"/>
+          <a:chOff x="0" y="0"/>
+          <a:chExt cx="0" cy="0"/>
+        </a:xfrm>
+      </p:grpSpPr>
+      <p:sp>
+        <p:nvSpPr>
+          <p:cNvPr id="2" name="Title 1">
+            <a:extLst>
+              <a:ext uri="{FF2B5EF4-FFF2-40B4-BE49-F238E27FC236}">
+                <a16:creationId xmlns:a16="http://schemas.microsoft.com/office/drawing/2014/main" id="{8F111688-363B-436F-AB21-5F86580727EC}"/>
+              </a:ext>
+            </a:extLst>
+          </p:cNvPr>
+          <p:cNvSpPr>
+            <a:spLocks noGrp="1"/>
+          </p:cNvSpPr>
+          <p:nvPr>
+            <p:ph type="title"/>
+          </p:nvPr>
+        </p:nvSpPr>
+        <p:spPr/>
+        <p:txBody>
+          <a:bodyPr/>
+          <a:lstStyle/>
+          <a:p>
+            <a:r>
+              <a:rPr lang="en-US" dirty="0"/>
+              <a:t>Some Results: Top Words in MP3 Reviews</a:t>
+            </a:r>
+          </a:p>
+        </p:txBody>
+      </p:sp>
+      <p:graphicFrame>
+        <p:nvGraphicFramePr>
+          <p:cNvPr id="4" name="Table 4">
+            <a:extLst>
+              <a:ext uri="{FF2B5EF4-FFF2-40B4-BE49-F238E27FC236}">
+                <a16:creationId xmlns:a16="http://schemas.microsoft.com/office/drawing/2014/main" id="{321B55EA-04F7-403C-A71A-54494C7E711E}"/>
+              </a:ext>
+            </a:extLst>
+          </p:cNvPr>
+          <p:cNvGraphicFramePr>
+            <a:graphicFrameLocks noGrp="1"/>
+          </p:cNvGraphicFramePr>
+          <p:nvPr>
+            <p:ph idx="1"/>
+            <p:extLst>
+              <p:ext uri="{D42A27DB-BD31-4B8C-83A1-F6EECF244321}">
+                <p14:modId xmlns:p14="http://schemas.microsoft.com/office/powerpoint/2010/main" val="3167462142"/>
+              </p:ext>
+            </p:extLst>
+          </p:nvPr>
+        </p:nvGraphicFramePr>
+        <p:xfrm>
+          <a:off x="838200" y="1825625"/>
+          <a:ext cx="10515600" cy="4079240"/>
+        </p:xfrm>
+        <a:graphic>
+          <a:graphicData uri="http://schemas.openxmlformats.org/drawingml/2006/table">
+            <a:tbl>
+              <a:tblPr firstRow="1" bandRow="1">
+                <a:tableStyleId>{5C22544A-7EE6-4342-B048-85BDC9FD1C3A}</a:tableStyleId>
+              </a:tblPr>
+              <a:tblGrid>
+                <a:gridCol w="1752600">
+                  <a:extLst>
+                    <a:ext uri="{9D8B030D-6E8A-4147-A177-3AD203B41FA5}">
+                      <a16:colId xmlns:a16="http://schemas.microsoft.com/office/drawing/2014/main" val="1048528538"/>
+                    </a:ext>
+                  </a:extLst>
+                </a:gridCol>
+                <a:gridCol w="1752600">
+                  <a:extLst>
+                    <a:ext uri="{9D8B030D-6E8A-4147-A177-3AD203B41FA5}">
+                      <a16:colId xmlns:a16="http://schemas.microsoft.com/office/drawing/2014/main" val="1150337690"/>
+                    </a:ext>
+                  </a:extLst>
+                </a:gridCol>
+                <a:gridCol w="1752600">
+                  <a:extLst>
+                    <a:ext uri="{9D8B030D-6E8A-4147-A177-3AD203B41FA5}">
+                      <a16:colId xmlns:a16="http://schemas.microsoft.com/office/drawing/2014/main" val="1607456541"/>
+                    </a:ext>
+                  </a:extLst>
+                </a:gridCol>
+                <a:gridCol w="1752600">
+                  <a:extLst>
+                    <a:ext uri="{9D8B030D-6E8A-4147-A177-3AD203B41FA5}">
+                      <a16:colId xmlns:a16="http://schemas.microsoft.com/office/drawing/2014/main" val="1843121916"/>
+                    </a:ext>
+                  </a:extLst>
+                </a:gridCol>
+                <a:gridCol w="1752600">
+                  <a:extLst>
+                    <a:ext uri="{9D8B030D-6E8A-4147-A177-3AD203B41FA5}">
+                      <a16:colId xmlns:a16="http://schemas.microsoft.com/office/drawing/2014/main" val="1383341593"/>
+                    </a:ext>
+                  </a:extLst>
+                </a:gridCol>
+                <a:gridCol w="1752600">
+                  <a:extLst>
+                    <a:ext uri="{9D8B030D-6E8A-4147-A177-3AD203B41FA5}">
+                      <a16:colId xmlns:a16="http://schemas.microsoft.com/office/drawing/2014/main" val="2822179159"/>
+                    </a:ext>
+                  </a:extLst>
+                </a:gridCol>
+              </a:tblGrid>
+              <a:tr h="370840">
+                <a:tc gridSpan="3">
+                  <a:txBody>
+                    <a:bodyPr/>
+                    <a:lstStyle/>
+                    <a:p>
+                      <a:pPr algn="ctr"/>
+                      <a:r>
+                        <a:rPr lang="en-US" dirty="0"/>
+                        <a:t>Low Rating</a:t>
+                      </a:r>
+                    </a:p>
+                  </a:txBody>
+                  <a:tcPr/>
+                </a:tc>
+                <a:tc hMerge="1">
+                  <a:txBody>
+                    <a:bodyPr/>
+                    <a:lstStyle/>
+                    <a:p>
+                      <a:endParaRPr lang="en-US" dirty="0"/>
+                    </a:p>
+                  </a:txBody>
+                  <a:tcPr/>
+                </a:tc>
+                <a:tc hMerge="1">
+                  <a:txBody>
+                    <a:bodyPr/>
+                    <a:lstStyle/>
+                    <a:p>
+                      <a:endParaRPr lang="en-US" dirty="0"/>
+                    </a:p>
+                  </a:txBody>
+                  <a:tcPr/>
+                </a:tc>
+                <a:tc gridSpan="3">
+                  <a:txBody>
+                    <a:bodyPr/>
+                    <a:lstStyle/>
+                    <a:p>
+                      <a:pPr algn="ctr"/>
+                      <a:r>
+                        <a:rPr lang="en-US" dirty="0"/>
+                        <a:t>High Rating</a:t>
+                      </a:r>
+                    </a:p>
+                  </a:txBody>
+                  <a:tcPr/>
+                </a:tc>
+                <a:tc hMerge="1">
+                  <a:txBody>
+                    <a:bodyPr/>
+                    <a:lstStyle/>
+                    <a:p>
+                      <a:endParaRPr lang="en-US" dirty="0"/>
+                    </a:p>
+                  </a:txBody>
+                  <a:tcPr/>
+                </a:tc>
+                <a:tc hMerge="1">
+                  <a:txBody>
+                    <a:bodyPr/>
+                    <a:lstStyle/>
+                    <a:p>
+                      <a:endParaRPr lang="en-US" dirty="0"/>
+                    </a:p>
+                  </a:txBody>
+                  <a:tcPr/>
+                </a:tc>
+                <a:extLst>
+                  <a:ext uri="{0D108BD9-81ED-4DB2-BD59-A6C34878D82A}">
+                    <a16:rowId xmlns:a16="http://schemas.microsoft.com/office/drawing/2014/main" val="269915048"/>
+                  </a:ext>
+                </a:extLst>
+              </a:tr>
+              <a:tr h="370840">
+                <a:tc>
+                  <a:txBody>
+                    <a:bodyPr/>
+                    <a:lstStyle/>
+                    <a:p>
+                      <a:pPr algn="ctr"/>
+                      <a:r>
+                        <a:rPr lang="en-US" dirty="0"/>
+                        <a:t>Zune</a:t>
+                      </a:r>
+                    </a:p>
+                  </a:txBody>
+                  <a:tcPr/>
+                </a:tc>
+                <a:tc>
+                  <a:txBody>
+                    <a:bodyPr/>
+                    <a:lstStyle/>
+                    <a:p>
+                      <a:pPr algn="ctr"/>
+                      <a:r>
+                        <a:rPr lang="en-US" dirty="0"/>
+                        <a:t>Like</a:t>
+                      </a:r>
+                    </a:p>
+                  </a:txBody>
+                  <a:tcPr/>
+                </a:tc>
+                <a:tc>
+                  <a:txBody>
+                    <a:bodyPr/>
+                    <a:lstStyle/>
+                    <a:p>
+                      <a:pPr algn="ctr"/>
+                      <a:r>
+                        <a:rPr lang="en-US" b="1" dirty="0"/>
+                        <a:t>Warranty</a:t>
+                      </a:r>
+                    </a:p>
+                  </a:txBody>
+                  <a:tcPr/>
+                </a:tc>
+                <a:tc>
+                  <a:txBody>
+                    <a:bodyPr/>
+                    <a:lstStyle/>
+                    <a:p>
+                      <a:pPr algn="ctr"/>
+                      <a:r>
+                        <a:rPr lang="en-US" dirty="0"/>
+                        <a:t>Would</a:t>
+                      </a:r>
+                    </a:p>
+                  </a:txBody>
+                  <a:tcPr/>
+                </a:tc>
+                <a:tc>
+                  <a:txBody>
+                    <a:bodyPr/>
+                    <a:lstStyle/>
+                    <a:p>
+                      <a:pPr algn="ctr"/>
+                      <a:r>
+                        <a:rPr lang="en-US" dirty="0"/>
+                        <a:t>Hours</a:t>
+                      </a:r>
+                    </a:p>
+                  </a:txBody>
+                  <a:tcPr/>
+                </a:tc>
+                <a:tc>
+                  <a:txBody>
+                    <a:bodyPr/>
+                    <a:lstStyle/>
+                    <a:p>
+                      <a:pPr algn="ctr"/>
+                      <a:r>
+                        <a:rPr lang="en-US" dirty="0"/>
+                        <a:t>Software</a:t>
+                      </a:r>
+                    </a:p>
+                  </a:txBody>
+                  <a:tcPr/>
+                </a:tc>
+                <a:extLst>
+                  <a:ext uri="{0D108BD9-81ED-4DB2-BD59-A6C34878D82A}">
+                    <a16:rowId xmlns:a16="http://schemas.microsoft.com/office/drawing/2014/main" val="3854741104"/>
+                  </a:ext>
+                </a:extLst>
+              </a:tr>
+              <a:tr h="370840">
+                <a:tc>
+                  <a:txBody>
+                    <a:bodyPr/>
+                    <a:lstStyle/>
+                    <a:p>
+                      <a:pPr algn="ctr"/>
+                      <a:r>
+                        <a:rPr lang="en-US" dirty="0"/>
+                        <a:t>Bought</a:t>
+                      </a:r>
+                    </a:p>
+                  </a:txBody>
+                  <a:tcPr/>
+                </a:tc>
+                <a:tc>
+                  <a:txBody>
+                    <a:bodyPr/>
+                    <a:lstStyle/>
+                    <a:p>
+                      <a:pPr algn="ctr"/>
+                      <a:r>
+                        <a:rPr lang="en-US" dirty="0"/>
+                        <a:t>Good</a:t>
+                      </a:r>
+                    </a:p>
+                  </a:txBody>
+                  <a:tcPr/>
+                </a:tc>
+                <a:tc>
+                  <a:txBody>
+                    <a:bodyPr/>
+                    <a:lstStyle/>
+                    <a:p>
+                      <a:pPr algn="ctr"/>
+                      <a:r>
+                        <a:rPr lang="en-US" dirty="0"/>
+                        <a:t>Software</a:t>
+                      </a:r>
+                    </a:p>
+                  </a:txBody>
+                  <a:tcPr/>
+                </a:tc>
+                <a:tc>
+                  <a:txBody>
+                    <a:bodyPr/>
+                    <a:lstStyle/>
+                    <a:p>
+                      <a:pPr algn="ctr"/>
+                      <a:r>
+                        <a:rPr lang="en-US" dirty="0"/>
+                        <a:t>Use</a:t>
+                      </a:r>
+                    </a:p>
+                  </a:txBody>
+                  <a:tcPr/>
+                </a:tc>
+                <a:tc>
+                  <a:txBody>
+                    <a:bodyPr/>
+                    <a:lstStyle/>
+                    <a:p>
+                      <a:pPr algn="ctr"/>
+                      <a:r>
+                        <a:rPr lang="en-US" dirty="0"/>
+                        <a:t>Great</a:t>
+                      </a:r>
+                    </a:p>
+                  </a:txBody>
+                  <a:tcPr/>
+                </a:tc>
+                <a:tc>
+                  <a:txBody>
+                    <a:bodyPr/>
+                    <a:lstStyle/>
+                    <a:p>
+                      <a:pPr algn="ctr"/>
+                      <a:r>
+                        <a:rPr lang="en-US" dirty="0"/>
+                        <a:t>Also</a:t>
+                      </a:r>
+                    </a:p>
+                  </a:txBody>
+                  <a:tcPr/>
+                </a:tc>
+                <a:extLst>
+                  <a:ext uri="{0D108BD9-81ED-4DB2-BD59-A6C34878D82A}">
+                    <a16:rowId xmlns:a16="http://schemas.microsoft.com/office/drawing/2014/main" val="1562343871"/>
+                  </a:ext>
+                </a:extLst>
+              </a:tr>
+              <a:tr h="370840">
+                <a:tc>
+                  <a:txBody>
+                    <a:bodyPr/>
+                    <a:lstStyle/>
+                    <a:p>
+                      <a:pPr algn="ctr"/>
+                      <a:r>
+                        <a:rPr lang="en-US" dirty="0"/>
+                        <a:t>Everything</a:t>
+                      </a:r>
+                    </a:p>
+                  </a:txBody>
+                  <a:tcPr/>
+                </a:tc>
+                <a:tc>
+                  <a:txBody>
+                    <a:bodyPr/>
+                    <a:lstStyle/>
+                    <a:p>
+                      <a:pPr algn="ctr"/>
+                      <a:r>
+                        <a:rPr lang="en-US" b="1" dirty="0"/>
+                        <a:t>Time</a:t>
+                      </a:r>
+                    </a:p>
+                  </a:txBody>
+                  <a:tcPr/>
+                </a:tc>
+                <a:tc>
+                  <a:txBody>
+                    <a:bodyPr/>
+                    <a:lstStyle/>
+                    <a:p>
+                      <a:pPr algn="ctr"/>
+                      <a:r>
+                        <a:rPr lang="en-US" dirty="0"/>
+                        <a:t>Work</a:t>
+                      </a:r>
+                    </a:p>
+                  </a:txBody>
+                  <a:tcPr/>
+                </a:tc>
+                <a:tc>
+                  <a:txBody>
+                    <a:bodyPr/>
+                    <a:lstStyle/>
+                    <a:p>
+                      <a:pPr algn="ctr"/>
+                      <a:r>
+                        <a:rPr lang="en-US" dirty="0"/>
+                        <a:t>New</a:t>
+                      </a:r>
+                    </a:p>
+                  </a:txBody>
+                  <a:tcPr/>
+                </a:tc>
+                <a:tc>
+                  <a:txBody>
+                    <a:bodyPr/>
+                    <a:lstStyle/>
+                    <a:p>
+                      <a:pPr algn="ctr"/>
+                      <a:r>
+                        <a:rPr lang="en-US" dirty="0"/>
+                        <a:t>Use</a:t>
+                      </a:r>
+                    </a:p>
+                  </a:txBody>
+                  <a:tcPr/>
+                </a:tc>
+                <a:tc>
+                  <a:txBody>
+                    <a:bodyPr/>
+                    <a:lstStyle/>
+                    <a:p>
+                      <a:pPr algn="ctr"/>
+                      <a:r>
+                        <a:rPr lang="en-US" dirty="0"/>
+                        <a:t>One</a:t>
+                      </a:r>
+                    </a:p>
+                  </a:txBody>
+                  <a:tcPr/>
+                </a:tc>
+                <a:extLst>
+                  <a:ext uri="{0D108BD9-81ED-4DB2-BD59-A6C34878D82A}">
+                    <a16:rowId xmlns:a16="http://schemas.microsoft.com/office/drawing/2014/main" val="1112239952"/>
+                  </a:ext>
+                </a:extLst>
+              </a:tr>
+              <a:tr h="370840">
+                <a:tc>
+                  <a:txBody>
+                    <a:bodyPr/>
+                    <a:lstStyle/>
+                    <a:p>
+                      <a:pPr algn="ctr"/>
+                      <a:r>
+                        <a:rPr lang="en-US" dirty="0"/>
+                        <a:t>Get</a:t>
+                      </a:r>
+                    </a:p>
+                  </a:txBody>
+                  <a:tcPr/>
+                </a:tc>
+                <a:tc>
+                  <a:txBody>
+                    <a:bodyPr/>
+                    <a:lstStyle/>
+                    <a:p>
+                      <a:pPr algn="ctr"/>
+                      <a:r>
+                        <a:rPr lang="en-US" dirty="0"/>
+                        <a:t>Product</a:t>
+                      </a:r>
+                    </a:p>
+                  </a:txBody>
+                  <a:tcPr/>
+                </a:tc>
+                <a:tc>
+                  <a:txBody>
+                    <a:bodyPr/>
+                    <a:lstStyle/>
+                    <a:p>
+                      <a:pPr algn="ctr"/>
+                      <a:r>
+                        <a:rPr lang="en-US" dirty="0"/>
+                        <a:t>Apple</a:t>
+                      </a:r>
+                    </a:p>
+                  </a:txBody>
+                  <a:tcPr/>
+                </a:tc>
+                <a:tc>
+                  <a:txBody>
+                    <a:bodyPr/>
+                    <a:lstStyle/>
+                    <a:p>
+                      <a:pPr algn="ctr"/>
+                      <a:r>
+                        <a:rPr lang="en-US" dirty="0"/>
+                        <a:t>Zune</a:t>
+                      </a:r>
+                    </a:p>
+                  </a:txBody>
+                  <a:tcPr/>
+                </a:tc>
+                <a:tc>
+                  <a:txBody>
+                    <a:bodyPr/>
+                    <a:lstStyle/>
+                    <a:p>
+                      <a:pPr algn="ctr"/>
+                      <a:r>
+                        <a:rPr lang="en-US" dirty="0" err="1"/>
+                        <a:t>Itunes</a:t>
+                      </a:r>
+                      <a:endParaRPr lang="en-US" dirty="0"/>
+                    </a:p>
+                  </a:txBody>
+                  <a:tcPr/>
+                </a:tc>
+                <a:tc>
+                  <a:txBody>
+                    <a:bodyPr/>
+                    <a:lstStyle/>
+                    <a:p>
+                      <a:pPr algn="ctr"/>
+                      <a:r>
+                        <a:rPr lang="en-US" dirty="0"/>
+                        <a:t>Like</a:t>
+                      </a:r>
+                    </a:p>
+                  </a:txBody>
+                  <a:tcPr/>
+                </a:tc>
+                <a:extLst>
+                  <a:ext uri="{0D108BD9-81ED-4DB2-BD59-A6C34878D82A}">
+                    <a16:rowId xmlns:a16="http://schemas.microsoft.com/office/drawing/2014/main" val="154665772"/>
+                  </a:ext>
+                </a:extLst>
+              </a:tr>
+              <a:tr h="370840">
+                <a:tc>
+                  <a:txBody>
+                    <a:bodyPr/>
+                    <a:lstStyle/>
+                    <a:p>
+                      <a:pPr algn="ctr"/>
+                      <a:r>
+                        <a:rPr lang="en-US" dirty="0"/>
+                        <a:t>People</a:t>
+                      </a:r>
+                    </a:p>
+                  </a:txBody>
+                  <a:tcPr/>
+                </a:tc>
+                <a:tc>
+                  <a:txBody>
+                    <a:bodyPr/>
+                    <a:lstStyle/>
+                    <a:p>
+                      <a:pPr algn="ctr"/>
+                      <a:r>
+                        <a:rPr lang="en-US" dirty="0"/>
+                        <a:t>One</a:t>
+                      </a:r>
+                    </a:p>
+                  </a:txBody>
+                  <a:tcPr/>
+                </a:tc>
+                <a:tc>
+                  <a:txBody>
+                    <a:bodyPr/>
+                    <a:lstStyle/>
+                    <a:p>
+                      <a:pPr algn="ctr"/>
+                      <a:r>
+                        <a:rPr lang="en-US" dirty="0"/>
+                        <a:t>Buy</a:t>
+                      </a:r>
+                    </a:p>
+                  </a:txBody>
+                  <a:tcPr/>
+                </a:tc>
+                <a:tc>
+                  <a:txBody>
+                    <a:bodyPr/>
+                    <a:lstStyle/>
+                    <a:p>
+                      <a:pPr algn="ctr"/>
+                      <a:r>
+                        <a:rPr lang="en-US" dirty="0"/>
+                        <a:t>Device</a:t>
+                      </a:r>
+                    </a:p>
+                  </a:txBody>
+                  <a:tcPr/>
+                </a:tc>
+                <a:tc>
+                  <a:txBody>
+                    <a:bodyPr/>
+                    <a:lstStyle/>
+                    <a:p>
+                      <a:pPr algn="ctr"/>
+                      <a:r>
+                        <a:rPr lang="en-US" dirty="0"/>
+                        <a:t>Still</a:t>
+                      </a:r>
+                    </a:p>
+                  </a:txBody>
+                  <a:tcPr/>
+                </a:tc>
+                <a:tc>
+                  <a:txBody>
+                    <a:bodyPr/>
+                    <a:lstStyle/>
+                    <a:p>
+                      <a:pPr algn="ctr"/>
+                      <a:r>
+                        <a:rPr lang="en-US" b="1" dirty="0"/>
+                        <a:t>Sound</a:t>
+                      </a:r>
+                    </a:p>
+                  </a:txBody>
+                  <a:tcPr/>
+                </a:tc>
+                <a:extLst>
+                  <a:ext uri="{0D108BD9-81ED-4DB2-BD59-A6C34878D82A}">
+                    <a16:rowId xmlns:a16="http://schemas.microsoft.com/office/drawing/2014/main" val="112852575"/>
+                  </a:ext>
+                </a:extLst>
+              </a:tr>
+              <a:tr h="370840">
+                <a:tc>
+                  <a:txBody>
+                    <a:bodyPr/>
+                    <a:lstStyle/>
+                    <a:p>
+                      <a:pPr algn="ctr"/>
+                      <a:r>
+                        <a:rPr lang="en-US" dirty="0"/>
+                        <a:t>Like</a:t>
+                      </a:r>
+                    </a:p>
+                  </a:txBody>
+                  <a:tcPr/>
+                </a:tc>
+                <a:tc>
+                  <a:txBody>
+                    <a:bodyPr/>
+                    <a:lstStyle/>
+                    <a:p>
+                      <a:pPr algn="ctr"/>
+                      <a:r>
+                        <a:rPr lang="en-US" dirty="0"/>
+                        <a:t>Get</a:t>
+                      </a:r>
+                    </a:p>
+                  </a:txBody>
+                  <a:tcPr/>
+                </a:tc>
+                <a:tc>
+                  <a:txBody>
+                    <a:bodyPr/>
+                    <a:lstStyle/>
+                    <a:p>
+                      <a:pPr algn="ctr"/>
+                      <a:r>
+                        <a:rPr lang="en-US" dirty="0" err="1"/>
+                        <a:t>Im</a:t>
+                      </a:r>
+                      <a:endParaRPr lang="en-US" dirty="0"/>
+                    </a:p>
+                  </a:txBody>
+                  <a:tcPr/>
+                </a:tc>
+                <a:tc>
+                  <a:txBody>
+                    <a:bodyPr/>
+                    <a:lstStyle/>
+                    <a:p>
+                      <a:pPr algn="ctr"/>
+                      <a:r>
+                        <a:rPr lang="en-US" dirty="0"/>
+                        <a:t>Great</a:t>
+                      </a:r>
+                    </a:p>
+                  </a:txBody>
+                  <a:tcPr/>
+                </a:tc>
+                <a:tc>
+                  <a:txBody>
+                    <a:bodyPr/>
+                    <a:lstStyle/>
+                    <a:p>
+                      <a:pPr algn="ctr"/>
+                      <a:r>
+                        <a:rPr lang="en-US" dirty="0"/>
+                        <a:t>Player</a:t>
+                      </a:r>
+                    </a:p>
+                  </a:txBody>
+                  <a:tcPr/>
+                </a:tc>
+                <a:tc>
+                  <a:txBody>
+                    <a:bodyPr/>
+                    <a:lstStyle/>
+                    <a:p>
+                      <a:pPr algn="ctr"/>
+                      <a:r>
+                        <a:rPr lang="en-US" b="1" dirty="0"/>
+                        <a:t>Quality</a:t>
+                      </a:r>
+                    </a:p>
+                  </a:txBody>
+                  <a:tcPr/>
+                </a:tc>
+                <a:extLst>
+                  <a:ext uri="{0D108BD9-81ED-4DB2-BD59-A6C34878D82A}">
+                    <a16:rowId xmlns:a16="http://schemas.microsoft.com/office/drawing/2014/main" val="2778537984"/>
+                  </a:ext>
+                </a:extLst>
+              </a:tr>
+              <a:tr h="370840">
+                <a:tc>
+                  <a:txBody>
+                    <a:bodyPr/>
+                    <a:lstStyle/>
+                    <a:p>
+                      <a:pPr algn="ctr"/>
+                      <a:r>
+                        <a:rPr lang="en-US" b="1" dirty="0"/>
+                        <a:t>Problem</a:t>
+                      </a:r>
+                    </a:p>
+                  </a:txBody>
+                  <a:tcPr/>
+                </a:tc>
+                <a:tc>
+                  <a:txBody>
+                    <a:bodyPr/>
+                    <a:lstStyle/>
+                    <a:p>
+                      <a:pPr algn="ctr"/>
+                      <a:r>
+                        <a:rPr lang="en-US" dirty="0"/>
+                        <a:t>Screen</a:t>
+                      </a:r>
+                    </a:p>
+                  </a:txBody>
+                  <a:tcPr/>
+                </a:tc>
+                <a:tc>
+                  <a:txBody>
+                    <a:bodyPr/>
+                    <a:lstStyle/>
+                    <a:p>
+                      <a:pPr algn="ctr"/>
+                      <a:r>
+                        <a:rPr lang="en-US" dirty="0"/>
+                        <a:t>Music</a:t>
+                      </a:r>
+                    </a:p>
+                  </a:txBody>
+                  <a:tcPr/>
+                </a:tc>
+                <a:tc>
+                  <a:txBody>
+                    <a:bodyPr/>
+                    <a:lstStyle/>
+                    <a:p>
+                      <a:pPr algn="ctr"/>
+                      <a:r>
+                        <a:rPr lang="en-US" b="1" dirty="0"/>
+                        <a:t>Easy</a:t>
+                      </a:r>
+                    </a:p>
+                  </a:txBody>
+                  <a:tcPr/>
+                </a:tc>
+                <a:tc>
+                  <a:txBody>
+                    <a:bodyPr/>
+                    <a:lstStyle/>
+                    <a:p>
+                      <a:pPr algn="ctr"/>
+                      <a:r>
+                        <a:rPr lang="en-US" dirty="0"/>
+                        <a:t>Battery</a:t>
+                      </a:r>
+                    </a:p>
+                  </a:txBody>
+                  <a:tcPr/>
+                </a:tc>
+                <a:tc>
+                  <a:txBody>
+                    <a:bodyPr/>
+                    <a:lstStyle/>
+                    <a:p>
+                      <a:pPr algn="ctr"/>
+                      <a:r>
+                        <a:rPr lang="en-US" dirty="0"/>
+                        <a:t>Get</a:t>
+                      </a:r>
+                    </a:p>
+                  </a:txBody>
+                  <a:tcPr/>
+                </a:tc>
+                <a:extLst>
+                  <a:ext uri="{0D108BD9-81ED-4DB2-BD59-A6C34878D82A}">
+                    <a16:rowId xmlns:a16="http://schemas.microsoft.com/office/drawing/2014/main" val="2127855685"/>
+                  </a:ext>
+                </a:extLst>
+              </a:tr>
+              <a:tr h="370840">
+                <a:tc>
+                  <a:txBody>
+                    <a:bodyPr/>
+                    <a:lstStyle/>
+                    <a:p>
+                      <a:pPr algn="ctr"/>
+                      <a:r>
+                        <a:rPr lang="en-US" dirty="0"/>
+                        <a:t>One</a:t>
+                      </a:r>
+                    </a:p>
+                  </a:txBody>
+                  <a:tcPr/>
+                </a:tc>
+                <a:tc>
+                  <a:txBody>
+                    <a:bodyPr/>
+                    <a:lstStyle/>
+                    <a:p>
+                      <a:pPr algn="ctr"/>
+                      <a:r>
+                        <a:rPr lang="en-US" dirty="0"/>
+                        <a:t>Use</a:t>
+                      </a:r>
+                    </a:p>
+                  </a:txBody>
+                  <a:tcPr/>
+                </a:tc>
+                <a:tc>
+                  <a:txBody>
+                    <a:bodyPr/>
+                    <a:lstStyle/>
+                    <a:p>
+                      <a:pPr algn="ctr"/>
+                      <a:r>
+                        <a:rPr lang="en-US" b="0" dirty="0"/>
+                        <a:t>Battery</a:t>
+                      </a:r>
+                    </a:p>
+                  </a:txBody>
+                  <a:tcPr/>
+                </a:tc>
+                <a:tc>
+                  <a:txBody>
+                    <a:bodyPr/>
+                    <a:lstStyle/>
+                    <a:p>
+                      <a:pPr algn="ctr"/>
+                      <a:r>
+                        <a:rPr lang="en-US" dirty="0"/>
+                        <a:t>Good</a:t>
+                      </a:r>
+                    </a:p>
+                  </a:txBody>
+                  <a:tcPr/>
+                </a:tc>
+                <a:tc>
+                  <a:txBody>
+                    <a:bodyPr/>
+                    <a:lstStyle/>
+                    <a:p>
+                      <a:pPr algn="ctr"/>
+                      <a:r>
+                        <a:rPr lang="en-US" dirty="0"/>
+                        <a:t>Like</a:t>
+                      </a:r>
+                    </a:p>
+                  </a:txBody>
+                  <a:tcPr/>
+                </a:tc>
+                <a:tc>
+                  <a:txBody>
+                    <a:bodyPr/>
+                    <a:lstStyle/>
+                    <a:p>
+                      <a:pPr algn="ctr"/>
+                      <a:r>
+                        <a:rPr lang="en-US" dirty="0"/>
+                        <a:t>Much</a:t>
+                      </a:r>
+                    </a:p>
+                  </a:txBody>
+                  <a:tcPr/>
+                </a:tc>
+                <a:extLst>
+                  <a:ext uri="{0D108BD9-81ED-4DB2-BD59-A6C34878D82A}">
+                    <a16:rowId xmlns:a16="http://schemas.microsoft.com/office/drawing/2014/main" val="2171498500"/>
+                  </a:ext>
+                </a:extLst>
+              </a:tr>
+              <a:tr h="370840">
+                <a:tc>
+                  <a:txBody>
+                    <a:bodyPr/>
+                    <a:lstStyle/>
+                    <a:p>
+                      <a:pPr algn="ctr"/>
+                      <a:r>
+                        <a:rPr lang="en-US" dirty="0" err="1"/>
+                        <a:t>Ipod</a:t>
+                      </a:r>
+                      <a:endParaRPr lang="en-US" dirty="0"/>
+                    </a:p>
+                  </a:txBody>
+                  <a:tcPr/>
+                </a:tc>
+                <a:tc>
+                  <a:txBody>
+                    <a:bodyPr/>
+                    <a:lstStyle/>
+                    <a:p>
+                      <a:pPr algn="ctr"/>
+                      <a:r>
+                        <a:rPr lang="en-US" dirty="0" err="1"/>
+                        <a:t>Ipod</a:t>
+                      </a:r>
+                      <a:endParaRPr lang="en-US" dirty="0"/>
+                    </a:p>
+                  </a:txBody>
+                  <a:tcPr/>
+                </a:tc>
+                <a:tc>
+                  <a:txBody>
+                    <a:bodyPr/>
+                    <a:lstStyle/>
+                    <a:p>
+                      <a:pPr algn="ctr"/>
+                      <a:r>
+                        <a:rPr lang="en-US" dirty="0"/>
+                        <a:t>Unit</a:t>
+                      </a:r>
+                    </a:p>
+                  </a:txBody>
+                  <a:tcPr/>
+                </a:tc>
+                <a:tc>
+                  <a:txBody>
+                    <a:bodyPr/>
+                    <a:lstStyle/>
+                    <a:p>
+                      <a:pPr algn="ctr"/>
+                      <a:r>
+                        <a:rPr lang="en-US" dirty="0"/>
+                        <a:t>Player</a:t>
+                      </a:r>
+                    </a:p>
+                  </a:txBody>
+                  <a:tcPr/>
+                </a:tc>
+                <a:tc>
+                  <a:txBody>
+                    <a:bodyPr/>
+                    <a:lstStyle/>
+                    <a:p>
+                      <a:pPr algn="ctr"/>
+                      <a:r>
+                        <a:rPr lang="en-US" dirty="0"/>
+                        <a:t>One</a:t>
+                      </a:r>
+                    </a:p>
+                  </a:txBody>
+                  <a:tcPr/>
+                </a:tc>
+                <a:tc>
+                  <a:txBody>
+                    <a:bodyPr/>
+                    <a:lstStyle/>
+                    <a:p>
+                      <a:pPr algn="ctr"/>
+                      <a:r>
+                        <a:rPr lang="en-US" dirty="0"/>
+                        <a:t>Good</a:t>
+                      </a:r>
+                    </a:p>
+                  </a:txBody>
+                  <a:tcPr/>
+                </a:tc>
+                <a:extLst>
+                  <a:ext uri="{0D108BD9-81ED-4DB2-BD59-A6C34878D82A}">
+                    <a16:rowId xmlns:a16="http://schemas.microsoft.com/office/drawing/2014/main" val="3531034950"/>
+                  </a:ext>
+                </a:extLst>
+              </a:tr>
+              <a:tr h="370840">
+                <a:tc>
+                  <a:txBody>
+                    <a:bodyPr/>
+                    <a:lstStyle/>
+                    <a:p>
+                      <a:pPr algn="ctr"/>
+                      <a:r>
+                        <a:rPr lang="en-US" dirty="0"/>
+                        <a:t>Player</a:t>
+                      </a:r>
+                    </a:p>
+                  </a:txBody>
+                  <a:tcPr/>
+                </a:tc>
+                <a:tc>
+                  <a:txBody>
+                    <a:bodyPr/>
+                    <a:lstStyle/>
+                    <a:p>
+                      <a:pPr algn="ctr"/>
+                      <a:r>
+                        <a:rPr lang="en-US" dirty="0"/>
+                        <a:t>player</a:t>
+                      </a:r>
+                    </a:p>
+                  </a:txBody>
+                  <a:tcPr/>
+                </a:tc>
+                <a:tc>
+                  <a:txBody>
+                    <a:bodyPr/>
+                    <a:lstStyle/>
+                    <a:p>
+                      <a:pPr algn="ctr"/>
+                      <a:r>
+                        <a:rPr lang="en-US" dirty="0"/>
+                        <a:t>would</a:t>
+                      </a:r>
+                    </a:p>
+                  </a:txBody>
+                  <a:tcPr/>
+                </a:tc>
+                <a:tc>
+                  <a:txBody>
+                    <a:bodyPr/>
+                    <a:lstStyle/>
+                    <a:p>
+                      <a:pPr algn="ctr"/>
+                      <a:r>
+                        <a:rPr lang="en-US" dirty="0" err="1"/>
+                        <a:t>ipod</a:t>
+                      </a:r>
+                      <a:endParaRPr lang="en-US" dirty="0"/>
+                    </a:p>
+                  </a:txBody>
+                  <a:tcPr/>
+                </a:tc>
+                <a:tc>
+                  <a:txBody>
+                    <a:bodyPr/>
+                    <a:lstStyle/>
+                    <a:p>
+                      <a:pPr algn="ctr"/>
+                      <a:r>
+                        <a:rPr lang="en-US" dirty="0"/>
+                        <a:t>music</a:t>
+                      </a:r>
+                    </a:p>
+                  </a:txBody>
+                  <a:tcPr/>
+                </a:tc>
+                <a:tc>
+                  <a:txBody>
+                    <a:bodyPr/>
+                    <a:lstStyle/>
+                    <a:p>
+                      <a:pPr algn="ctr"/>
+                      <a:r>
+                        <a:rPr lang="en-US" dirty="0"/>
+                        <a:t>player</a:t>
+                      </a:r>
+                    </a:p>
+                  </a:txBody>
+                  <a:tcPr/>
+                </a:tc>
+                <a:extLst>
+                  <a:ext uri="{0D108BD9-81ED-4DB2-BD59-A6C34878D82A}">
+                    <a16:rowId xmlns:a16="http://schemas.microsoft.com/office/drawing/2014/main" val="1624903919"/>
+                  </a:ext>
+                </a:extLst>
+              </a:tr>
+            </a:tbl>
+          </a:graphicData>
+        </a:graphic>
+      </p:graphicFrame>
+    </p:spTree>
+    <p:extLst>
+      <p:ext uri="{BB962C8B-B14F-4D97-AF65-F5344CB8AC3E}">
+        <p14:creationId xmlns:p14="http://schemas.microsoft.com/office/powerpoint/2010/main" val="1781724837"/>
+      </p:ext>
+    </p:extLst>
+  </p:cSld>
+  <p:clrMapOvr>
+    <a:masterClrMapping/>
+  </p:clrMapOvr>
+</p:sld>
+</file>
+
+<file path=ppt/slides/slide15.xml><?xml version="1.0" encoding="utf-8"?>
+<p:sld xmlns:a="http://schemas.openxmlformats.org/drawingml/2006/main" xmlns:r="http://schemas.openxmlformats.org/officeDocument/2006/relationships" xmlns:p="http://schemas.openxmlformats.org/presentationml/2006/main">
+  <p:cSld>
+    <p:spTree>
+      <p:nvGrpSpPr>
+        <p:cNvPr id="1" name=""/>
+        <p:cNvGrpSpPr/>
+        <p:nvPr/>
+      </p:nvGrpSpPr>
+      <p:grpSpPr>
+        <a:xfrm>
+          <a:off x="0" y="0"/>
+          <a:ext cx="0" cy="0"/>
+          <a:chOff x="0" y="0"/>
+          <a:chExt cx="0" cy="0"/>
+        </a:xfrm>
+      </p:grpSpPr>
+      <p:sp>
+        <p:nvSpPr>
+          <p:cNvPr id="2" name="Title 1">
+            <a:extLst>
+              <a:ext uri="{FF2B5EF4-FFF2-40B4-BE49-F238E27FC236}">
+                <a16:creationId xmlns:a16="http://schemas.microsoft.com/office/drawing/2014/main" id="{5D2498A5-5BF6-40D2-B6DE-C7FF4F048A60}"/>
+              </a:ext>
+            </a:extLst>
+          </p:cNvPr>
+          <p:cNvSpPr>
+            <a:spLocks noGrp="1"/>
+          </p:cNvSpPr>
+          <p:nvPr>
+            <p:ph type="title"/>
+          </p:nvPr>
+        </p:nvSpPr>
+        <p:spPr/>
+        <p:txBody>
+          <a:bodyPr/>
+          <a:lstStyle/>
+          <a:p>
+            <a:r>
+              <a:rPr lang="en-US" dirty="0"/>
+              <a:t>Some Results: Top Words in MP3 Reviews</a:t>
+            </a:r>
+          </a:p>
+        </p:txBody>
+      </p:sp>
+      <p:sp>
+        <p:nvSpPr>
+          <p:cNvPr id="3" name="Content Placeholder 2">
+            <a:extLst>
+              <a:ext uri="{FF2B5EF4-FFF2-40B4-BE49-F238E27FC236}">
+                <a16:creationId xmlns:a16="http://schemas.microsoft.com/office/drawing/2014/main" id="{BA5C0855-4F1E-4C26-9E6F-53EE112E547F}"/>
+              </a:ext>
+            </a:extLst>
+          </p:cNvPr>
+          <p:cNvSpPr>
+            <a:spLocks noGrp="1"/>
+          </p:cNvSpPr>
+          <p:nvPr>
+            <p:ph idx="1"/>
+          </p:nvPr>
+        </p:nvSpPr>
+        <p:spPr/>
+        <p:txBody>
+          <a:bodyPr>
+            <a:normAutofit fontScale="85000" lnSpcReduction="20000"/>
+          </a:bodyPr>
+          <a:lstStyle/>
+          <a:p>
+            <a:r>
+              <a:rPr lang="en-US" dirty="0"/>
+              <a:t>Few similarities with Table 2 in the subject paper:</a:t>
+            </a:r>
+          </a:p>
+          <a:p>
+            <a:pPr lvl="1"/>
+            <a:r>
+              <a:rPr lang="en-US" i="1" dirty="0"/>
+              <a:t>Low</a:t>
+            </a:r>
+            <a:r>
+              <a:rPr lang="en-US" dirty="0"/>
+              <a:t>: problem, time, warranty</a:t>
+            </a:r>
+          </a:p>
+          <a:p>
+            <a:pPr lvl="1"/>
+            <a:r>
+              <a:rPr lang="en-US" i="1" dirty="0"/>
+              <a:t>High</a:t>
+            </a:r>
+            <a:r>
+              <a:rPr lang="en-US" dirty="0"/>
+              <a:t>: easy, sound, quality</a:t>
+            </a:r>
+          </a:p>
+          <a:p>
+            <a:r>
+              <a:rPr lang="en-US" dirty="0"/>
+              <a:t>Despite a few similarities, this list is mainly different from the one in Table 2 in the subject paper. Reasons could be:</a:t>
+            </a:r>
+          </a:p>
+          <a:p>
+            <a:pPr lvl="1"/>
+            <a:r>
+              <a:rPr lang="en-US" dirty="0"/>
+              <a:t>Fewer aspects: the paper modeled 20 aspects and displayed the top 3, while here only 3 aspects were modeled. The higher number of aspects in the paper allow for better topic definition for each aspect, whereas here, the shown 3 topics need to account for all the content in the corpus.</a:t>
+            </a:r>
+          </a:p>
+          <a:p>
+            <a:pPr lvl="1"/>
+            <a:r>
+              <a:rPr lang="en-US" dirty="0"/>
+              <a:t>The much smaller dataset. This was built on 100 reviews, while the paper used 16,680 divided between the two sub-groups (low/high rating)</a:t>
+            </a:r>
+          </a:p>
+          <a:p>
+            <a:pPr lvl="1"/>
+            <a:r>
+              <a:rPr lang="en-US" dirty="0"/>
+              <a:t>The different list of </a:t>
+            </a:r>
+            <a:r>
+              <a:rPr lang="en-US" dirty="0" err="1"/>
+              <a:t>stopwords</a:t>
+            </a:r>
+            <a:r>
+              <a:rPr lang="en-US" dirty="0"/>
+              <a:t>; the list used here may have left more common English words than the list used in the paper.</a:t>
+            </a:r>
+          </a:p>
+          <a:p>
+            <a:pPr marL="0" indent="0">
+              <a:buNone/>
+            </a:pPr>
+            <a:r>
+              <a:rPr lang="en-US" b="1" i="1" dirty="0"/>
+              <a:t>Note:</a:t>
+            </a:r>
+            <a:r>
+              <a:rPr lang="en-US" i="1" dirty="0"/>
+              <a:t> time for model computation is the reason to have reduced the dataset (number of reviews) and the number of aspects modeled.</a:t>
+            </a:r>
+          </a:p>
+          <a:p>
+            <a:pPr lvl="1"/>
+            <a:endParaRPr lang="en-US" dirty="0"/>
+          </a:p>
+        </p:txBody>
+      </p:sp>
+    </p:spTree>
+    <p:extLst>
+      <p:ext uri="{BB962C8B-B14F-4D97-AF65-F5344CB8AC3E}">
+        <p14:creationId xmlns:p14="http://schemas.microsoft.com/office/powerpoint/2010/main" val="1387746125"/>
+      </p:ext>
+    </p:extLst>
+  </p:cSld>
+  <p:clrMapOvr>
+    <a:masterClrMapping/>
+  </p:clrMapOvr>
+</p:sld>
+</file>
+
+<file path=ppt/slides/slide16.xml><?xml version="1.0" encoding="utf-8"?>
+<p:sld xmlns:a="http://schemas.openxmlformats.org/drawingml/2006/main" xmlns:r="http://schemas.openxmlformats.org/officeDocument/2006/relationships" xmlns:p="http://schemas.openxmlformats.org/presentationml/2006/main">
+  <p:cSld>
+    <p:spTree>
+      <p:nvGrpSpPr>
+        <p:cNvPr id="1" name=""/>
+        <p:cNvGrpSpPr/>
+        <p:nvPr/>
+      </p:nvGrpSpPr>
+      <p:grpSpPr>
+        <a:xfrm>
+          <a:off x="0" y="0"/>
+          <a:ext cx="0" cy="0"/>
+          <a:chOff x="0" y="0"/>
+          <a:chExt cx="0" cy="0"/>
+        </a:xfrm>
+      </p:grpSpPr>
+      <p:sp>
+        <p:nvSpPr>
+          <p:cNvPr id="2" name="Title 1">
+            <a:extLst>
+              <a:ext uri="{FF2B5EF4-FFF2-40B4-BE49-F238E27FC236}">
+                <a16:creationId xmlns:a16="http://schemas.microsoft.com/office/drawing/2014/main" id="{060EE5BA-5A28-42E0-ACF4-6841F54334E1}"/>
+              </a:ext>
+            </a:extLst>
+          </p:cNvPr>
+          <p:cNvSpPr>
+            <a:spLocks noGrp="1"/>
+          </p:cNvSpPr>
+          <p:nvPr>
+            <p:ph type="title"/>
+          </p:nvPr>
+        </p:nvSpPr>
+        <p:spPr/>
+        <p:txBody>
+          <a:bodyPr/>
+          <a:lstStyle/>
+          <a:p>
+            <a:r>
+              <a:rPr lang="en-US" dirty="0"/>
+              <a:t>Challenges</a:t>
+            </a:r>
+          </a:p>
+        </p:txBody>
+      </p:sp>
+      <p:sp>
+        <p:nvSpPr>
+          <p:cNvPr id="3" name="Content Placeholder 2">
+            <a:extLst>
+              <a:ext uri="{FF2B5EF4-FFF2-40B4-BE49-F238E27FC236}">
+                <a16:creationId xmlns:a16="http://schemas.microsoft.com/office/drawing/2014/main" id="{1080DFAE-8A7F-4610-99CE-5DAEEEDF422D}"/>
+              </a:ext>
+            </a:extLst>
+          </p:cNvPr>
+          <p:cNvSpPr>
+            <a:spLocks noGrp="1"/>
+          </p:cNvSpPr>
+          <p:nvPr>
+            <p:ph idx="1"/>
+          </p:nvPr>
+        </p:nvSpPr>
+        <p:spPr/>
+        <p:txBody>
+          <a:bodyPr>
+            <a:normAutofit fontScale="92500" lnSpcReduction="20000"/>
+          </a:bodyPr>
+          <a:lstStyle/>
+          <a:p>
+            <a:r>
+              <a:rPr lang="en-US" dirty="0"/>
+              <a:t>Model complexity</a:t>
+            </a:r>
+          </a:p>
+          <a:p>
+            <a:pPr lvl="1"/>
+            <a:r>
+              <a:rPr lang="en-US" dirty="0"/>
+              <a:t>A number of high dimensional numerical optimizations at repeated iterations leads to high computation time to build models</a:t>
+            </a:r>
+          </a:p>
+          <a:p>
+            <a:pPr lvl="1"/>
+            <a:r>
+              <a:rPr lang="en-US" dirty="0"/>
+              <a:t>This gets worse as the dataset and number of aspects increase</a:t>
+            </a:r>
+          </a:p>
+          <a:p>
+            <a:r>
+              <a:rPr lang="en-US" dirty="0"/>
+              <a:t>This has hampered the development of the model on the hotel dataset, where at least 7 aspects are needed for meaning assessment</a:t>
+            </a:r>
+          </a:p>
+          <a:p>
+            <a:pPr lvl="1"/>
+            <a:r>
+              <a:rPr lang="en-US" dirty="0"/>
+              <a:t>Model build code has not finished running (on set with 100 reviews)</a:t>
+            </a:r>
+          </a:p>
+          <a:p>
+            <a:pPr lvl="1"/>
+            <a:r>
+              <a:rPr lang="en-US" dirty="0"/>
+              <a:t>Not possible yet to perform the aspect rating analysis</a:t>
+            </a:r>
+          </a:p>
+          <a:p>
+            <a:pPr lvl="1"/>
+            <a:r>
+              <a:rPr lang="en-US" dirty="0"/>
+              <a:t>Even when the model finishes, the low number of reviews will likely make the results not very robust</a:t>
+            </a:r>
+          </a:p>
+          <a:p>
+            <a:r>
+              <a:rPr lang="en-US" dirty="0"/>
+              <a:t>To solve this, efforts are needed for code optimization</a:t>
+            </a:r>
+          </a:p>
+          <a:p>
+            <a:pPr lvl="1"/>
+            <a:r>
+              <a:rPr lang="en-US" dirty="0"/>
+              <a:t>Most of the time in the project was spent on research to understand the model and approach to be able to make an initial implementation of it</a:t>
+            </a:r>
+          </a:p>
+          <a:p>
+            <a:pPr lvl="1"/>
+            <a:r>
+              <a:rPr lang="en-US" dirty="0"/>
+              <a:t>Better computation resources would also help</a:t>
+            </a:r>
+          </a:p>
+        </p:txBody>
+      </p:sp>
+    </p:spTree>
+    <p:extLst>
+      <p:ext uri="{BB962C8B-B14F-4D97-AF65-F5344CB8AC3E}">
+        <p14:creationId xmlns:p14="http://schemas.microsoft.com/office/powerpoint/2010/main" val="783280328"/>
+      </p:ext>
+    </p:extLst>
+  </p:cSld>
+  <p:clrMapOvr>
+    <a:masterClrMapping/>
+  </p:clrMapOvr>
+</p:sld>
+</file>
+
+<file path=ppt/slides/slide17.xml><?xml version="1.0" encoding="utf-8"?>
+<p:sld xmlns:a="http://schemas.openxmlformats.org/drawingml/2006/main" xmlns:r="http://schemas.openxmlformats.org/officeDocument/2006/relationships" xmlns:p="http://schemas.openxmlformats.org/presentationml/2006/main">
+  <p:cSld>
+    <p:spTree>
+      <p:nvGrpSpPr>
+        <p:cNvPr id="1" name=""/>
+        <p:cNvGrpSpPr/>
+        <p:nvPr/>
+      </p:nvGrpSpPr>
+      <p:grpSpPr>
+        <a:xfrm>
+          <a:off x="0" y="0"/>
+          <a:ext cx="0" cy="0"/>
+          <a:chOff x="0" y="0"/>
+          <a:chExt cx="0" cy="0"/>
+        </a:xfrm>
+      </p:grpSpPr>
+      <p:sp>
+        <p:nvSpPr>
+          <p:cNvPr id="2" name="Title 1">
+            <a:extLst>
+              <a:ext uri="{FF2B5EF4-FFF2-40B4-BE49-F238E27FC236}">
+                <a16:creationId xmlns:a16="http://schemas.microsoft.com/office/drawing/2014/main" id="{3C1848A0-175B-47E0-8739-560AA68977E9}"/>
+              </a:ext>
+            </a:extLst>
+          </p:cNvPr>
+          <p:cNvSpPr>
+            <a:spLocks noGrp="1"/>
+          </p:cNvSpPr>
+          <p:nvPr>
+            <p:ph type="title"/>
+          </p:nvPr>
+        </p:nvSpPr>
+        <p:spPr/>
+        <p:txBody>
+          <a:bodyPr/>
+          <a:lstStyle/>
+          <a:p>
+            <a:r>
+              <a:rPr lang="en-US" dirty="0"/>
+              <a:t>Suggested Testing Procedure</a:t>
+            </a:r>
+          </a:p>
+        </p:txBody>
+      </p:sp>
+      <p:sp>
+        <p:nvSpPr>
+          <p:cNvPr id="3" name="Content Placeholder 2">
+            <a:extLst>
+              <a:ext uri="{FF2B5EF4-FFF2-40B4-BE49-F238E27FC236}">
+                <a16:creationId xmlns:a16="http://schemas.microsoft.com/office/drawing/2014/main" id="{8B8DFE19-75DC-456C-B640-B5E40B3AC246}"/>
+              </a:ext>
+            </a:extLst>
+          </p:cNvPr>
+          <p:cNvSpPr>
+            <a:spLocks noGrp="1"/>
+          </p:cNvSpPr>
+          <p:nvPr>
+            <p:ph idx="1"/>
+          </p:nvPr>
+        </p:nvSpPr>
+        <p:spPr/>
+        <p:txBody>
+          <a:bodyPr>
+            <a:normAutofit fontScale="70000" lnSpcReduction="20000"/>
+          </a:bodyPr>
+          <a:lstStyle/>
+          <a:p>
+            <a:pPr marL="0" indent="0">
+              <a:buNone/>
+            </a:pPr>
+            <a:r>
+              <a:rPr lang="en-US" dirty="0"/>
+              <a:t>The steps below allow for all scripts provided to be tested without taking too much time. They are already set with the inputs corresponding to this, so they can be run without changes.</a:t>
+            </a:r>
+          </a:p>
+          <a:p>
+            <a:r>
+              <a:rPr lang="en-US" dirty="0"/>
+              <a:t>Data processing scripts</a:t>
+            </a:r>
+          </a:p>
+          <a:p>
+            <a:pPr lvl="1"/>
+            <a:r>
+              <a:rPr lang="en-US" dirty="0"/>
+              <a:t>Run </a:t>
+            </a:r>
+            <a:r>
+              <a:rPr lang="en-US" i="1" dirty="0"/>
+              <a:t>processMP3reviews.py</a:t>
+            </a:r>
+            <a:r>
+              <a:rPr lang="en-US" dirty="0"/>
+              <a:t> to process the MP3 reviews in </a:t>
+            </a:r>
+            <a:r>
+              <a:rPr lang="en-US" i="1" dirty="0"/>
+              <a:t>amazon_mp3_redux.txt</a:t>
+            </a:r>
+            <a:r>
+              <a:rPr lang="en-US" dirty="0"/>
+              <a:t>. This will generate the </a:t>
+            </a:r>
+            <a:r>
+              <a:rPr lang="en-US" i="1" dirty="0"/>
+              <a:t>MP3reviews_redux.pkl</a:t>
+            </a:r>
+            <a:r>
+              <a:rPr lang="en-US" dirty="0"/>
+              <a:t>. All these files are in the </a:t>
+            </a:r>
+            <a:r>
+              <a:rPr lang="en-US" i="1" dirty="0"/>
+              <a:t>\data</a:t>
+            </a:r>
+            <a:r>
+              <a:rPr lang="en-US" dirty="0"/>
+              <a:t> folder.</a:t>
+            </a:r>
+          </a:p>
+          <a:p>
+            <a:pPr lvl="1"/>
+            <a:r>
+              <a:rPr lang="en-US" dirty="0"/>
+              <a:t>Run </a:t>
+            </a:r>
+            <a:r>
+              <a:rPr lang="en-US" i="1" dirty="0"/>
+              <a:t>processHOTELreviews.py</a:t>
+            </a:r>
+            <a:r>
+              <a:rPr lang="en-US" dirty="0"/>
+              <a:t> to process the hotels reviews in the folder </a:t>
+            </a:r>
+            <a:r>
+              <a:rPr lang="en-US" i="1" dirty="0"/>
+              <a:t>\</a:t>
+            </a:r>
+            <a:r>
+              <a:rPr lang="en-US" i="1" dirty="0" err="1"/>
+              <a:t>Texts_redux</a:t>
+            </a:r>
+            <a:r>
+              <a:rPr lang="en-US" dirty="0"/>
+              <a:t>. This will generate the </a:t>
+            </a:r>
+            <a:r>
+              <a:rPr lang="en-US" i="1" dirty="0" err="1"/>
+              <a:t>HotelReviews_redux.pkl</a:t>
+            </a:r>
+            <a:r>
+              <a:rPr lang="en-US" dirty="0"/>
+              <a:t>. All these files are in the </a:t>
+            </a:r>
+            <a:r>
+              <a:rPr lang="en-US" i="1" dirty="0"/>
+              <a:t>\data</a:t>
+            </a:r>
+            <a:r>
+              <a:rPr lang="en-US" dirty="0"/>
+              <a:t> folder.</a:t>
+            </a:r>
+          </a:p>
+          <a:p>
+            <a:r>
+              <a:rPr lang="en-US" dirty="0"/>
+              <a:t>Model building scripts</a:t>
+            </a:r>
+          </a:p>
+          <a:p>
+            <a:pPr lvl="1"/>
+            <a:r>
+              <a:rPr lang="en-US" dirty="0"/>
+              <a:t>Run </a:t>
+            </a:r>
+            <a:r>
+              <a:rPr lang="en-US" i="1" dirty="0"/>
+              <a:t>estimateModel.py</a:t>
+            </a:r>
+            <a:r>
+              <a:rPr lang="en-US" dirty="0"/>
+              <a:t> on the reduced MP3 dataset (</a:t>
+            </a:r>
+            <a:r>
+              <a:rPr lang="en-US" i="1" dirty="0"/>
+              <a:t>MP3reviews_redux.pkl</a:t>
+            </a:r>
+            <a:r>
+              <a:rPr lang="en-US" dirty="0"/>
+              <a:t>) to generate the model file </a:t>
+            </a:r>
+            <a:r>
+              <a:rPr lang="en-US" i="1" dirty="0"/>
+              <a:t>MP3model_redux.pkl</a:t>
+            </a:r>
+            <a:r>
+              <a:rPr lang="en-US" dirty="0"/>
+              <a:t>. The suggested number of aspects is 3.</a:t>
+            </a:r>
+          </a:p>
+          <a:p>
+            <a:r>
+              <a:rPr lang="en-US" dirty="0"/>
+              <a:t>Analysis scripts</a:t>
+            </a:r>
+          </a:p>
+          <a:p>
+            <a:pPr lvl="1"/>
+            <a:r>
+              <a:rPr lang="en-US" dirty="0"/>
+              <a:t>Run the </a:t>
+            </a:r>
+            <a:r>
+              <a:rPr lang="en-US" i="1" dirty="0"/>
+              <a:t>getStats.py</a:t>
+            </a:r>
+            <a:r>
+              <a:rPr lang="en-US" dirty="0"/>
+              <a:t> on </a:t>
+            </a:r>
+            <a:r>
+              <a:rPr lang="en-US" i="1" dirty="0"/>
+              <a:t>MP3reviews_high_100.pkl</a:t>
+            </a:r>
+            <a:r>
+              <a:rPr lang="en-US" dirty="0"/>
+              <a:t> to obtain the statistics on that smaller set of reviews.</a:t>
+            </a:r>
+          </a:p>
+          <a:p>
+            <a:pPr lvl="1"/>
+            <a:r>
+              <a:rPr lang="en-US" dirty="0"/>
+              <a:t>Run the </a:t>
+            </a:r>
+            <a:r>
+              <a:rPr lang="en-US" i="1" dirty="0"/>
+              <a:t>getTopAspectWords.py</a:t>
+            </a:r>
+            <a:r>
+              <a:rPr lang="en-US" dirty="0"/>
+              <a:t> using the data </a:t>
+            </a:r>
+            <a:r>
+              <a:rPr lang="en-US" i="1" dirty="0"/>
+              <a:t>MP3reviews_high_100.pkl</a:t>
+            </a:r>
+            <a:r>
+              <a:rPr lang="en-US" dirty="0"/>
+              <a:t> and model </a:t>
+            </a:r>
+            <a:r>
+              <a:rPr lang="en-US" i="1" dirty="0"/>
+              <a:t>MP3model_high_100_3.pkl</a:t>
+            </a:r>
+            <a:r>
+              <a:rPr lang="en-US" dirty="0"/>
+              <a:t> to obtain the top 10 words in each of the 3 aspects of this model on these reviews.</a:t>
+            </a:r>
+          </a:p>
+          <a:p>
+            <a:endParaRPr lang="en-US" dirty="0"/>
+          </a:p>
+          <a:p>
+            <a:pPr lvl="1"/>
+            <a:endParaRPr lang="en-US" dirty="0"/>
+          </a:p>
+        </p:txBody>
+      </p:sp>
+    </p:spTree>
+    <p:extLst>
+      <p:ext uri="{BB962C8B-B14F-4D97-AF65-F5344CB8AC3E}">
+        <p14:creationId xmlns:p14="http://schemas.microsoft.com/office/powerpoint/2010/main" val="1497966655"/>
+      </p:ext>
+    </p:extLst>
+  </p:cSld>
+  <p:clrMapOvr>
+    <a:masterClrMapping/>
+  </p:clrMapOvr>
+</p:sld>
+</file>
+
 <file path=ppt/slides/slide2.xml><?xml version="1.0" encoding="utf-8"?>
 <p:sld xmlns:a="http://schemas.openxmlformats.org/drawingml/2006/main" xmlns:r="http://schemas.openxmlformats.org/officeDocument/2006/relationships" xmlns:p="http://schemas.openxmlformats.org/presentationml/2006/main">
   <p:cSld>
@@ -27701,6 +29851,28 @@
             <a:r>
               <a:rPr lang="en-US" dirty="0"/>
               <a:t>. 2011. Latent aspect rating analysis without aspect keyword supervision. In Proceedings of ACM KDD 2011, pp. 618-626. DOI=10.1145/2020408.2020505</a:t>
+            </a:r>
+          </a:p>
+          <a:p>
+            <a:pPr lvl="1"/>
+            <a:r>
+              <a:rPr lang="en-US" dirty="0"/>
+              <a:t>With considerable material from reference [3] in the paper on LDA:</a:t>
+            </a:r>
+            <a:br>
+              <a:rPr lang="en-US" dirty="0"/>
+            </a:br>
+            <a:r>
+              <a:rPr lang="en-US" i="1" dirty="0"/>
+              <a:t>D. </a:t>
+            </a:r>
+            <a:r>
+              <a:rPr lang="en-US" i="1" dirty="0" err="1"/>
+              <a:t>Blei</a:t>
+            </a:r>
+            <a:r>
+              <a:rPr lang="en-US" i="1" dirty="0"/>
+              <a:t>, A. Ng, and M. Jordan. Latent Dirichlet allocation. The Journal of Machine Learning Research, 3:993–1022, 2003</a:t>
             </a:r>
           </a:p>
         </p:txBody>
@@ -31837,7 +34009,7 @@
             <a:pPr lvl="2"/>
             <a:r>
               <a:rPr lang="en-US" dirty="0"/>
-              <a:t>Model built with 7 aspects on dataset with 100 hotel reviews</a:t>
+              <a:t>Model being built with 7 aspects on dataset with 100 hotel reviews</a:t>
             </a:r>
           </a:p>
           <a:p>
